--- a/revised ppt.pptx
+++ b/revised ppt.pptx
@@ -26,7 +26,7 @@
     <p:sldId id="280" r:id="rId17"/>
     <p:sldId id="284" r:id="rId18"/>
   </p:sldIdLst>
-  <p:sldSz cx="12188825" cy="6858000"/>
+  <p:sldSz cx="9144000" cy="6858000" type="screen4x3"/>
   <p:notesSz cx="6858000" cy="9144000"/>
   <p:defaultTextStyle>
     <a:defPPr>
@@ -126,12 +126,12 @@
   <p:extLst>
     <p:ext uri="{EFAFB233-063F-42B5-8137-9DF3F51BA10A}">
       <p15:sldGuideLst xmlns:p15="http://schemas.microsoft.com/office/powerpoint/2012/main">
-        <p15:guide id="1" orient="horz" pos="2160">
+        <p15:guide id="1" orient="horz" pos="2160" userDrawn="1">
           <p15:clr>
             <a:srgbClr val="A4A3A4"/>
           </p15:clr>
         </p15:guide>
-        <p15:guide id="8" pos="3839">
+        <p15:guide id="8" pos="2880" userDrawn="1">
           <p15:clr>
             <a:srgbClr val="A4A3A4"/>
           </p15:clr>
@@ -1362,8 +1362,8 @@
       </dsp:nvSpPr>
       <dsp:spPr>
         <a:xfrm>
-          <a:off x="2655684" y="272415"/>
-          <a:ext cx="3520440" cy="3520440"/>
+          <a:off x="1992281" y="204364"/>
+          <a:ext cx="2641017" cy="2641017"/>
         </a:xfrm>
         <a:prstGeom prst="pie">
           <a:avLst>
@@ -1408,12 +1408,12 @@
         </a:fontRef>
       </dsp:style>
       <dsp:txBody>
-        <a:bodyPr spcFirstLastPara="0" vert="horz" wrap="square" lIns="25400" tIns="25400" rIns="25400" bIns="25400" numCol="1" spcCol="1270" anchor="ctr" anchorCtr="0">
+        <a:bodyPr spcFirstLastPara="0" vert="horz" wrap="square" lIns="19050" tIns="19050" rIns="19050" bIns="19050" numCol="1" spcCol="1270" anchor="ctr" anchorCtr="0">
           <a:noAutofit/>
         </a:bodyPr>
         <a:lstStyle/>
         <a:p>
-          <a:pPr lvl="0" algn="ctr" defTabSz="889000">
+          <a:pPr lvl="0" algn="ctr" defTabSz="666750">
             <a:lnSpc>
               <a:spcPct val="90000"/>
             </a:lnSpc>
@@ -1425,14 +1425,14 @@
             </a:spcAft>
           </a:pPr>
           <a:r>
-            <a:rPr lang="en-US" sz="2000" kern="1200" dirty="0"/>
+            <a:rPr lang="en-US" sz="1500" kern="1200" dirty="0"/>
             <a:t>Housing supply and demand</a:t>
           </a:r>
         </a:p>
       </dsp:txBody>
       <dsp:txXfrm>
-        <a:off x="4511040" y="1018413"/>
-        <a:ext cx="1257300" cy="1047750"/>
+        <a:off x="3384161" y="764008"/>
+        <a:ext cx="943220" cy="786017"/>
       </dsp:txXfrm>
     </dsp:sp>
     <dsp:sp modelId="{EE1A0A7A-FA7B-46D6-923C-B37BA627A058}">
@@ -1442,8 +1442,8 @@
       </dsp:nvSpPr>
       <dsp:spPr>
         <a:xfrm>
-          <a:off x="2583180" y="398145"/>
-          <a:ext cx="3520440" cy="3520440"/>
+          <a:off x="1937889" y="298686"/>
+          <a:ext cx="2641017" cy="2641017"/>
         </a:xfrm>
         <a:prstGeom prst="pie">
           <a:avLst>
@@ -1488,12 +1488,12 @@
         </a:fontRef>
       </dsp:style>
       <dsp:txBody>
-        <a:bodyPr spcFirstLastPara="0" vert="horz" wrap="square" lIns="25400" tIns="25400" rIns="25400" bIns="25400" numCol="1" spcCol="1270" anchor="ctr" anchorCtr="0">
+        <a:bodyPr spcFirstLastPara="0" vert="horz" wrap="square" lIns="19050" tIns="19050" rIns="19050" bIns="19050" numCol="1" spcCol="1270" anchor="ctr" anchorCtr="0">
           <a:noAutofit/>
         </a:bodyPr>
         <a:lstStyle/>
         <a:p>
-          <a:pPr lvl="0" algn="ctr" defTabSz="889000">
+          <a:pPr lvl="0" algn="ctr" defTabSz="666750">
             <a:lnSpc>
               <a:spcPct val="90000"/>
             </a:lnSpc>
@@ -1505,14 +1505,14 @@
             </a:spcAft>
           </a:pPr>
           <a:r>
-            <a:rPr lang="en-US" sz="2000" kern="1200" dirty="0"/>
+            <a:rPr lang="en-US" sz="1500" kern="1200" dirty="0"/>
             <a:t>Population Density</a:t>
           </a:r>
         </a:p>
       </dsp:txBody>
       <dsp:txXfrm>
-        <a:off x="3421380" y="2682240"/>
-        <a:ext cx="1885950" cy="922020"/>
+        <a:off x="2566703" y="2012204"/>
+        <a:ext cx="1414831" cy="691695"/>
       </dsp:txXfrm>
     </dsp:sp>
     <dsp:sp modelId="{DDD8BCE9-29DD-47AA-A707-452B7F809D1E}">
@@ -1522,8 +1522,8 @@
       </dsp:nvSpPr>
       <dsp:spPr>
         <a:xfrm>
-          <a:off x="2510675" y="272415"/>
-          <a:ext cx="3520440" cy="3520440"/>
+          <a:off x="1883497" y="204364"/>
+          <a:ext cx="2641017" cy="2641017"/>
         </a:xfrm>
         <a:prstGeom prst="pie">
           <a:avLst>
@@ -1568,12 +1568,12 @@
         </a:fontRef>
       </dsp:style>
       <dsp:txBody>
-        <a:bodyPr spcFirstLastPara="0" vert="horz" wrap="square" lIns="25400" tIns="25400" rIns="25400" bIns="25400" numCol="1" spcCol="1270" anchor="ctr" anchorCtr="0">
+        <a:bodyPr spcFirstLastPara="0" vert="horz" wrap="square" lIns="19050" tIns="19050" rIns="19050" bIns="19050" numCol="1" spcCol="1270" anchor="ctr" anchorCtr="0">
           <a:noAutofit/>
         </a:bodyPr>
         <a:lstStyle/>
         <a:p>
-          <a:pPr lvl="0" algn="ctr" defTabSz="889000">
+          <a:pPr lvl="0" algn="ctr" defTabSz="666750">
             <a:lnSpc>
               <a:spcPct val="90000"/>
             </a:lnSpc>
@@ -1585,14 +1585,14 @@
             </a:spcAft>
           </a:pPr>
           <a:r>
-            <a:rPr lang="en-US" sz="2000" kern="1200" dirty="0"/>
+            <a:rPr lang="en-US" sz="1500" kern="1200" dirty="0"/>
             <a:t>Income</a:t>
           </a:r>
         </a:p>
       </dsp:txBody>
       <dsp:txXfrm>
-        <a:off x="2918459" y="1018413"/>
-        <a:ext cx="1257300" cy="1047750"/>
+        <a:off x="2189415" y="764008"/>
+        <a:ext cx="943220" cy="786017"/>
       </dsp:txXfrm>
     </dsp:sp>
     <dsp:sp modelId="{42B5636E-E3F1-4BE9-9DC8-33BE11C7E594}">
@@ -1602,8 +1602,8 @@
       </dsp:nvSpPr>
       <dsp:spPr>
         <a:xfrm>
-          <a:off x="2438042" y="54482"/>
-          <a:ext cx="3956304" cy="3956304"/>
+          <a:off x="1829008" y="40872"/>
+          <a:ext cx="2968001" cy="2968001"/>
         </a:xfrm>
         <a:prstGeom prst="circularArrow">
           <a:avLst>
@@ -1649,8 +1649,8 @@
       </dsp:nvSpPr>
       <dsp:spPr>
         <a:xfrm>
-          <a:off x="2365248" y="179990"/>
-          <a:ext cx="3956304" cy="3956304"/>
+          <a:off x="1774397" y="135027"/>
+          <a:ext cx="2968001" cy="2968001"/>
         </a:xfrm>
         <a:prstGeom prst="circularArrow">
           <a:avLst>
@@ -1696,8 +1696,8 @@
       </dsp:nvSpPr>
       <dsp:spPr>
         <a:xfrm>
-          <a:off x="2292453" y="54482"/>
-          <a:ext cx="3956304" cy="3956304"/>
+          <a:off x="1719787" y="40872"/>
+          <a:ext cx="2968001" cy="2968001"/>
         </a:xfrm>
         <a:prstGeom prst="circularArrow">
           <a:avLst>
@@ -4799,8 +4799,8 @@
         </p:nvSpPr>
         <p:spPr>
           <a:xfrm>
-            <a:off x="382588" y="685800"/>
-            <a:ext cx="6092825" cy="3429000"/>
+            <a:off x="1143000" y="685800"/>
+            <a:ext cx="4572000" cy="3429000"/>
           </a:xfrm>
           <a:prstGeom prst="rect">
             <a:avLst/>
@@ -5091,8 +5091,8 @@
         </p:nvSpPr>
         <p:spPr>
           <a:xfrm>
-            <a:off x="1065214" y="533400"/>
-            <a:ext cx="5029200" cy="2514601"/>
+            <a:off x="799118" y="533401"/>
+            <a:ext cx="3772883" cy="2514601"/>
           </a:xfrm>
         </p:spPr>
         <p:txBody>
@@ -5101,7 +5101,7 @@
           </a:bodyPr>
           <a:lstStyle>
             <a:lvl1pPr>
-              <a:defRPr sz="5400"/>
+              <a:defRPr sz="4051"/>
             </a:lvl1pPr>
           </a:lstStyle>
           <a:p>
@@ -5125,8 +5125,8 @@
         </p:nvSpPr>
         <p:spPr>
           <a:xfrm>
-            <a:off x="1065212" y="3403600"/>
-            <a:ext cx="5029201" cy="1397000"/>
+            <a:off x="799118" y="3403600"/>
+            <a:ext cx="3772883" cy="1397000"/>
           </a:xfrm>
         </p:spPr>
         <p:txBody>
@@ -5136,10 +5136,10 @@
           <a:lstStyle>
             <a:lvl1pPr marL="0" indent="0" algn="l">
               <a:spcBef>
-                <a:spcPts val="600"/>
+                <a:spcPts val="450"/>
               </a:spcBef>
               <a:buNone/>
-              <a:defRPr sz="2400">
+              <a:defRPr sz="1800">
                 <a:solidFill>
                   <a:schemeClr val="tx1">
                     <a:lumMod val="65000"/>
@@ -5148,7 +5148,7 @@
                 </a:solidFill>
               </a:defRPr>
             </a:lvl1pPr>
-            <a:lvl2pPr marL="457200" indent="0" algn="ctr">
+            <a:lvl2pPr marL="342991" indent="0" algn="ctr">
               <a:buNone/>
               <a:defRPr>
                 <a:solidFill>
@@ -5158,7 +5158,7 @@
                 </a:solidFill>
               </a:defRPr>
             </a:lvl2pPr>
-            <a:lvl3pPr marL="914400" indent="0" algn="ctr">
+            <a:lvl3pPr marL="685983" indent="0" algn="ctr">
               <a:buNone/>
               <a:defRPr>
                 <a:solidFill>
@@ -5168,7 +5168,7 @@
                 </a:solidFill>
               </a:defRPr>
             </a:lvl3pPr>
-            <a:lvl4pPr marL="1371600" indent="0" algn="ctr">
+            <a:lvl4pPr marL="1028974" indent="0" algn="ctr">
               <a:buNone/>
               <a:defRPr>
                 <a:solidFill>
@@ -5178,7 +5178,7 @@
                 </a:solidFill>
               </a:defRPr>
             </a:lvl4pPr>
-            <a:lvl5pPr marL="1828800" indent="0" algn="ctr">
+            <a:lvl5pPr marL="1371966" indent="0" algn="ctr">
               <a:buNone/>
               <a:defRPr>
                 <a:solidFill>
@@ -5188,7 +5188,7 @@
                 </a:solidFill>
               </a:defRPr>
             </a:lvl5pPr>
-            <a:lvl6pPr marL="2286000" indent="0" algn="ctr">
+            <a:lvl6pPr marL="1714957" indent="0" algn="ctr">
               <a:buNone/>
               <a:defRPr>
                 <a:solidFill>
@@ -5198,7 +5198,7 @@
                 </a:solidFill>
               </a:defRPr>
             </a:lvl6pPr>
-            <a:lvl7pPr marL="2743200" indent="0" algn="ctr">
+            <a:lvl7pPr marL="2057949" indent="0" algn="ctr">
               <a:buNone/>
               <a:defRPr>
                 <a:solidFill>
@@ -5208,7 +5208,7 @@
                 </a:solidFill>
               </a:defRPr>
             </a:lvl7pPr>
-            <a:lvl8pPr marL="3200400" indent="0" algn="ctr">
+            <a:lvl8pPr marL="2400940" indent="0" algn="ctr">
               <a:buNone/>
               <a:defRPr>
                 <a:solidFill>
@@ -5218,7 +5218,7 @@
                 </a:solidFill>
               </a:defRPr>
             </a:lvl8pPr>
-            <a:lvl9pPr marL="3657600" indent="0" algn="ctr">
+            <a:lvl9pPr marL="2743932" indent="0" algn="ctr">
               <a:buNone/>
               <a:defRPr>
                 <a:solidFill>
@@ -5547,8 +5547,8 @@
         </p:nvSpPr>
         <p:spPr>
           <a:xfrm>
-            <a:off x="8761412" y="533400"/>
-            <a:ext cx="2362201" cy="5486400"/>
+            <a:off x="6572771" y="533400"/>
+            <a:ext cx="1772112" cy="5486400"/>
           </a:xfrm>
         </p:spPr>
         <p:txBody>
@@ -5575,8 +5575,8 @@
         </p:nvSpPr>
         <p:spPr>
           <a:xfrm>
-            <a:off x="1065213" y="533400"/>
-            <a:ext cx="7467599" cy="5486400"/>
+            <a:off x="799118" y="533400"/>
+            <a:ext cx="5602158" cy="5486400"/>
           </a:xfrm>
         </p:spPr>
         <p:txBody>
@@ -5754,7 +5754,7 @@
         <p:spPr>
           <a:xfrm flipH="1">
             <a:off x="0" y="0"/>
-            <a:ext cx="12188825" cy="6858000"/>
+            <a:ext cx="9144000" cy="6858000"/>
           </a:xfrm>
           <a:prstGeom prst="rect">
             <a:avLst/>
@@ -5770,7 +5770,7 @@
         <p:spPr>
           <a:xfrm flipH="1">
             <a:off x="0" y="0"/>
-            <a:ext cx="12188825" cy="6858000"/>
+            <a:ext cx="9144000" cy="6858000"/>
           </a:xfrm>
           <a:prstGeom prst="rect">
             <a:avLst/>
@@ -5816,7 +5816,7 @@
           <a:lstStyle/>
           <a:p>
             <a:pPr algn="ctr"/>
-            <a:endParaRPr lang="ko-KR" altLang="en-US" sz="1799"/>
+            <a:endParaRPr lang="ko-KR" altLang="en-US" sz="1350"/>
           </a:p>
         </p:txBody>
       </p:sp>
@@ -6062,8 +6062,8 @@
         </p:nvSpPr>
         <p:spPr>
           <a:xfrm>
-            <a:off x="1065214" y="533400"/>
-            <a:ext cx="8686800" cy="2286000"/>
+            <a:off x="799119" y="533400"/>
+            <a:ext cx="6516797" cy="2286000"/>
           </a:xfrm>
         </p:spPr>
         <p:txBody>
@@ -6072,7 +6072,7 @@
           </a:bodyPr>
           <a:lstStyle>
             <a:lvl1pPr algn="l">
-              <a:defRPr sz="5400" b="1" cap="none" baseline="0"/>
+              <a:defRPr sz="4051" b="1" cap="none" baseline="0"/>
             </a:lvl1pPr>
           </a:lstStyle>
           <a:p>
@@ -6096,8 +6096,8 @@
         </p:nvSpPr>
         <p:spPr>
           <a:xfrm>
-            <a:off x="1065214" y="3124200"/>
-            <a:ext cx="8686800" cy="1371600"/>
+            <a:off x="799119" y="3124200"/>
+            <a:ext cx="6516797" cy="1371600"/>
           </a:xfrm>
         </p:spPr>
         <p:txBody>
@@ -6107,10 +6107,10 @@
           <a:lstStyle>
             <a:lvl1pPr marL="0" indent="0">
               <a:spcBef>
-                <a:spcPts val="600"/>
+                <a:spcPts val="450"/>
               </a:spcBef>
               <a:buNone/>
-              <a:defRPr sz="2400">
+              <a:defRPr sz="1800">
                 <a:solidFill>
                   <a:schemeClr val="tx1">
                     <a:lumMod val="65000"/>
@@ -6119,9 +6119,9 @@
                 </a:solidFill>
               </a:defRPr>
             </a:lvl1pPr>
-            <a:lvl2pPr marL="457200" indent="0">
+            <a:lvl2pPr marL="342991" indent="0">
               <a:buNone/>
-              <a:defRPr sz="1800">
+              <a:defRPr sz="1350">
                 <a:solidFill>
                   <a:schemeClr val="tx1">
                     <a:tint val="75000"/>
@@ -6129,9 +6129,9 @@
                 </a:solidFill>
               </a:defRPr>
             </a:lvl2pPr>
-            <a:lvl3pPr marL="914400" indent="0">
+            <a:lvl3pPr marL="685983" indent="0">
               <a:buNone/>
-              <a:defRPr sz="1600">
+              <a:defRPr sz="1200">
                 <a:solidFill>
                   <a:schemeClr val="tx1">
                     <a:tint val="75000"/>
@@ -6139,9 +6139,9 @@
                 </a:solidFill>
               </a:defRPr>
             </a:lvl3pPr>
-            <a:lvl4pPr marL="1371600" indent="0">
+            <a:lvl4pPr marL="1028974" indent="0">
               <a:buNone/>
-              <a:defRPr sz="1400">
+              <a:defRPr sz="1050">
                 <a:solidFill>
                   <a:schemeClr val="tx1">
                     <a:tint val="75000"/>
@@ -6149,9 +6149,9 @@
                 </a:solidFill>
               </a:defRPr>
             </a:lvl4pPr>
-            <a:lvl5pPr marL="1828800" indent="0">
+            <a:lvl5pPr marL="1371966" indent="0">
               <a:buNone/>
-              <a:defRPr sz="1400">
+              <a:defRPr sz="1050">
                 <a:solidFill>
                   <a:schemeClr val="tx1">
                     <a:tint val="75000"/>
@@ -6159,9 +6159,9 @@
                 </a:solidFill>
               </a:defRPr>
             </a:lvl5pPr>
-            <a:lvl6pPr marL="2286000" indent="0">
+            <a:lvl6pPr marL="1714957" indent="0">
               <a:buNone/>
-              <a:defRPr sz="1400">
+              <a:defRPr sz="1050">
                 <a:solidFill>
                   <a:schemeClr val="tx1">
                     <a:tint val="75000"/>
@@ -6169,9 +6169,9 @@
                 </a:solidFill>
               </a:defRPr>
             </a:lvl6pPr>
-            <a:lvl7pPr marL="2743200" indent="0">
+            <a:lvl7pPr marL="2057949" indent="0">
               <a:buNone/>
-              <a:defRPr sz="1400">
+              <a:defRPr sz="1050">
                 <a:solidFill>
                   <a:schemeClr val="tx1">
                     <a:tint val="75000"/>
@@ -6179,9 +6179,9 @@
                 </a:solidFill>
               </a:defRPr>
             </a:lvl7pPr>
-            <a:lvl8pPr marL="3200400" indent="0">
+            <a:lvl8pPr marL="2400940" indent="0">
               <a:buNone/>
-              <a:defRPr sz="1400">
+              <a:defRPr sz="1050">
                 <a:solidFill>
                   <a:schemeClr val="tx1">
                     <a:tint val="75000"/>
@@ -6189,9 +6189,9 @@
                 </a:solidFill>
               </a:defRPr>
             </a:lvl8pPr>
-            <a:lvl9pPr marL="3657600" indent="0">
+            <a:lvl9pPr marL="2743932" indent="0">
               <a:buNone/>
-              <a:defRPr sz="1400">
+              <a:defRPr sz="1050">
                 <a:solidFill>
                   <a:schemeClr val="tx1">
                     <a:tint val="75000"/>
@@ -6355,8 +6355,8 @@
         </p:nvSpPr>
         <p:spPr>
           <a:xfrm>
-            <a:off x="1065212" y="1828800"/>
-            <a:ext cx="4251960" cy="4191000"/>
+            <a:off x="799117" y="1828800"/>
+            <a:ext cx="3189801" cy="4191000"/>
           </a:xfrm>
         </p:spPr>
         <p:txBody>
@@ -6365,31 +6365,31 @@
           </a:bodyPr>
           <a:lstStyle>
             <a:lvl1pPr>
-              <a:defRPr sz="2000"/>
+              <a:defRPr sz="1500"/>
             </a:lvl1pPr>
             <a:lvl2pPr>
-              <a:defRPr sz="1800"/>
+              <a:defRPr sz="1350"/>
             </a:lvl2pPr>
             <a:lvl3pPr>
-              <a:defRPr sz="1600"/>
+              <a:defRPr sz="1200"/>
             </a:lvl3pPr>
             <a:lvl4pPr>
-              <a:defRPr sz="1400"/>
+              <a:defRPr sz="1050"/>
             </a:lvl4pPr>
             <a:lvl5pPr>
-              <a:defRPr sz="1400"/>
+              <a:defRPr sz="1050"/>
             </a:lvl5pPr>
             <a:lvl6pPr>
-              <a:defRPr sz="1400"/>
+              <a:defRPr sz="1050"/>
             </a:lvl6pPr>
             <a:lvl7pPr>
-              <a:defRPr sz="1400"/>
+              <a:defRPr sz="1050"/>
             </a:lvl7pPr>
             <a:lvl8pPr>
-              <a:defRPr sz="1400"/>
+              <a:defRPr sz="1050"/>
             </a:lvl8pPr>
             <a:lvl9pPr>
-              <a:defRPr sz="1400"/>
+              <a:defRPr sz="1050"/>
             </a:lvl9pPr>
           </a:lstStyle>
           <a:p>
@@ -6442,8 +6442,8 @@
         </p:nvSpPr>
         <p:spPr>
           <a:xfrm>
-            <a:off x="5464598" y="1828800"/>
-            <a:ext cx="4251960" cy="4191000"/>
+            <a:off x="4099516" y="1828800"/>
+            <a:ext cx="3189801" cy="4191000"/>
           </a:xfrm>
         </p:spPr>
         <p:txBody>
@@ -6452,31 +6452,31 @@
           </a:bodyPr>
           <a:lstStyle>
             <a:lvl1pPr>
-              <a:defRPr sz="2000"/>
+              <a:defRPr sz="1500"/>
             </a:lvl1pPr>
             <a:lvl2pPr>
-              <a:defRPr sz="1800"/>
+              <a:defRPr sz="1350"/>
             </a:lvl2pPr>
             <a:lvl3pPr>
-              <a:defRPr sz="1600"/>
+              <a:defRPr sz="1200"/>
             </a:lvl3pPr>
             <a:lvl4pPr>
-              <a:defRPr sz="1400"/>
+              <a:defRPr sz="1050"/>
             </a:lvl4pPr>
             <a:lvl5pPr>
-              <a:defRPr sz="1400"/>
+              <a:defRPr sz="1050"/>
             </a:lvl5pPr>
             <a:lvl6pPr>
-              <a:defRPr sz="1400"/>
+              <a:defRPr sz="1050"/>
             </a:lvl6pPr>
             <a:lvl7pPr>
-              <a:defRPr sz="1400"/>
+              <a:defRPr sz="1050"/>
             </a:lvl7pPr>
             <a:lvl8pPr>
-              <a:defRPr sz="1400"/>
+              <a:defRPr sz="1050"/>
             </a:lvl8pPr>
             <a:lvl9pPr>
-              <a:defRPr sz="1400"/>
+              <a:defRPr sz="1050"/>
             </a:lvl9pPr>
           </a:lstStyle>
           <a:p>
@@ -6667,8 +6667,8 @@
         </p:nvSpPr>
         <p:spPr>
           <a:xfrm>
-            <a:off x="1065213" y="1828799"/>
-            <a:ext cx="4251960" cy="685801"/>
+            <a:off x="799118" y="1828800"/>
+            <a:ext cx="3189801" cy="685801"/>
           </a:xfrm>
         </p:spPr>
         <p:txBody>
@@ -6681,39 +6681,39 @@
                 <a:spcPts val="0"/>
               </a:spcBef>
               <a:buNone/>
-              <a:defRPr sz="2000" b="0"/>
+              <a:defRPr sz="1500" b="0"/>
             </a:lvl1pPr>
-            <a:lvl2pPr marL="457200" indent="0">
+            <a:lvl2pPr marL="342991" indent="0">
               <a:buNone/>
-              <a:defRPr sz="2000" b="1"/>
+              <a:defRPr sz="1500" b="1"/>
             </a:lvl2pPr>
-            <a:lvl3pPr marL="914400" indent="0">
+            <a:lvl3pPr marL="685983" indent="0">
               <a:buNone/>
-              <a:defRPr sz="1800" b="1"/>
+              <a:defRPr sz="1350" b="1"/>
             </a:lvl3pPr>
-            <a:lvl4pPr marL="1371600" indent="0">
+            <a:lvl4pPr marL="1028974" indent="0">
               <a:buNone/>
-              <a:defRPr sz="1600" b="1"/>
+              <a:defRPr sz="1200" b="1"/>
             </a:lvl4pPr>
-            <a:lvl5pPr marL="1828800" indent="0">
+            <a:lvl5pPr marL="1371966" indent="0">
               <a:buNone/>
-              <a:defRPr sz="1600" b="1"/>
+              <a:defRPr sz="1200" b="1"/>
             </a:lvl5pPr>
-            <a:lvl6pPr marL="2286000" indent="0">
+            <a:lvl6pPr marL="1714957" indent="0">
               <a:buNone/>
-              <a:defRPr sz="1600" b="1"/>
+              <a:defRPr sz="1200" b="1"/>
             </a:lvl6pPr>
-            <a:lvl7pPr marL="2743200" indent="0">
+            <a:lvl7pPr marL="2057949" indent="0">
               <a:buNone/>
-              <a:defRPr sz="1600" b="1"/>
+              <a:defRPr sz="1200" b="1"/>
             </a:lvl7pPr>
-            <a:lvl8pPr marL="3200400" indent="0">
+            <a:lvl8pPr marL="2400940" indent="0">
               <a:buNone/>
-              <a:defRPr sz="1600" b="1"/>
+              <a:defRPr sz="1200" b="1"/>
             </a:lvl8pPr>
-            <a:lvl9pPr marL="3657600" indent="0">
+            <a:lvl9pPr marL="2743932" indent="0">
               <a:buNone/>
-              <a:defRPr sz="1600" b="1"/>
+              <a:defRPr sz="1200" b="1"/>
             </a:lvl9pPr>
           </a:lstStyle>
           <a:p>
@@ -6737,8 +6737,8 @@
         </p:nvSpPr>
         <p:spPr>
           <a:xfrm>
-            <a:off x="1065213" y="2590800"/>
-            <a:ext cx="4251960" cy="3429000"/>
+            <a:off x="799118" y="2590800"/>
+            <a:ext cx="3189801" cy="3429000"/>
           </a:xfrm>
         </p:spPr>
         <p:txBody>
@@ -6747,31 +6747,31 @@
           </a:bodyPr>
           <a:lstStyle>
             <a:lvl1pPr>
-              <a:defRPr sz="2000"/>
+              <a:defRPr sz="1500"/>
             </a:lvl1pPr>
             <a:lvl2pPr>
-              <a:defRPr sz="1800"/>
+              <a:defRPr sz="1350"/>
             </a:lvl2pPr>
             <a:lvl3pPr>
-              <a:defRPr sz="1600"/>
+              <a:defRPr sz="1200"/>
             </a:lvl3pPr>
             <a:lvl4pPr>
-              <a:defRPr sz="1400"/>
+              <a:defRPr sz="1050"/>
             </a:lvl4pPr>
             <a:lvl5pPr>
-              <a:defRPr sz="1400"/>
+              <a:defRPr sz="1050"/>
             </a:lvl5pPr>
             <a:lvl6pPr>
-              <a:defRPr sz="1400"/>
+              <a:defRPr sz="1050"/>
             </a:lvl6pPr>
             <a:lvl7pPr>
-              <a:defRPr sz="1400"/>
+              <a:defRPr sz="1050"/>
             </a:lvl7pPr>
             <a:lvl8pPr>
-              <a:defRPr sz="1400"/>
+              <a:defRPr sz="1050"/>
             </a:lvl8pPr>
             <a:lvl9pPr>
-              <a:defRPr sz="1400"/>
+              <a:defRPr sz="1050"/>
             </a:lvl9pPr>
           </a:lstStyle>
           <a:p>
@@ -6824,8 +6824,8 @@
         </p:nvSpPr>
         <p:spPr>
           <a:xfrm>
-            <a:off x="5500053" y="1828799"/>
-            <a:ext cx="4251960" cy="685801"/>
+            <a:off x="4126114" y="1828800"/>
+            <a:ext cx="3189801" cy="685801"/>
           </a:xfrm>
         </p:spPr>
         <p:txBody>
@@ -6838,39 +6838,39 @@
                 <a:spcPts val="0"/>
               </a:spcBef>
               <a:buNone/>
-              <a:defRPr sz="2000" b="0"/>
+              <a:defRPr sz="1500" b="0"/>
             </a:lvl1pPr>
-            <a:lvl2pPr marL="457200" indent="0">
+            <a:lvl2pPr marL="342991" indent="0">
               <a:buNone/>
-              <a:defRPr sz="2000" b="1"/>
+              <a:defRPr sz="1500" b="1"/>
             </a:lvl2pPr>
-            <a:lvl3pPr marL="914400" indent="0">
+            <a:lvl3pPr marL="685983" indent="0">
               <a:buNone/>
-              <a:defRPr sz="1800" b="1"/>
+              <a:defRPr sz="1350" b="1"/>
             </a:lvl3pPr>
-            <a:lvl4pPr marL="1371600" indent="0">
+            <a:lvl4pPr marL="1028974" indent="0">
               <a:buNone/>
-              <a:defRPr sz="1600" b="1"/>
+              <a:defRPr sz="1200" b="1"/>
             </a:lvl4pPr>
-            <a:lvl5pPr marL="1828800" indent="0">
+            <a:lvl5pPr marL="1371966" indent="0">
               <a:buNone/>
-              <a:defRPr sz="1600" b="1"/>
+              <a:defRPr sz="1200" b="1"/>
             </a:lvl5pPr>
-            <a:lvl6pPr marL="2286000" indent="0">
+            <a:lvl6pPr marL="1714957" indent="0">
               <a:buNone/>
-              <a:defRPr sz="1600" b="1"/>
+              <a:defRPr sz="1200" b="1"/>
             </a:lvl6pPr>
-            <a:lvl7pPr marL="2743200" indent="0">
+            <a:lvl7pPr marL="2057949" indent="0">
               <a:buNone/>
-              <a:defRPr sz="1600" b="1"/>
+              <a:defRPr sz="1200" b="1"/>
             </a:lvl7pPr>
-            <a:lvl8pPr marL="3200400" indent="0">
+            <a:lvl8pPr marL="2400940" indent="0">
               <a:buNone/>
-              <a:defRPr sz="1600" b="1"/>
+              <a:defRPr sz="1200" b="1"/>
             </a:lvl8pPr>
-            <a:lvl9pPr marL="3657600" indent="0">
+            <a:lvl9pPr marL="2743932" indent="0">
               <a:buNone/>
-              <a:defRPr sz="1600" b="1"/>
+              <a:defRPr sz="1200" b="1"/>
             </a:lvl9pPr>
           </a:lstStyle>
           <a:p>
@@ -6894,8 +6894,8 @@
         </p:nvSpPr>
         <p:spPr>
           <a:xfrm>
-            <a:off x="5500053" y="2590800"/>
-            <a:ext cx="4251960" cy="3429000"/>
+            <a:off x="4126114" y="2590800"/>
+            <a:ext cx="3189801" cy="3429000"/>
           </a:xfrm>
         </p:spPr>
         <p:txBody>
@@ -6904,31 +6904,31 @@
           </a:bodyPr>
           <a:lstStyle>
             <a:lvl1pPr>
-              <a:defRPr sz="2000"/>
+              <a:defRPr sz="1500"/>
             </a:lvl1pPr>
             <a:lvl2pPr>
-              <a:defRPr sz="1800"/>
+              <a:defRPr sz="1350"/>
             </a:lvl2pPr>
             <a:lvl3pPr>
-              <a:defRPr sz="1600"/>
+              <a:defRPr sz="1200"/>
             </a:lvl3pPr>
             <a:lvl4pPr>
-              <a:defRPr sz="1400"/>
+              <a:defRPr sz="1050"/>
             </a:lvl4pPr>
             <a:lvl5pPr>
-              <a:defRPr sz="1400"/>
+              <a:defRPr sz="1050"/>
             </a:lvl5pPr>
             <a:lvl6pPr>
-              <a:defRPr sz="1400"/>
+              <a:defRPr sz="1050"/>
             </a:lvl6pPr>
             <a:lvl7pPr>
-              <a:defRPr sz="1400"/>
+              <a:defRPr sz="1050"/>
             </a:lvl7pPr>
             <a:lvl8pPr>
-              <a:defRPr sz="1400"/>
+              <a:defRPr sz="1050"/>
             </a:lvl8pPr>
             <a:lvl9pPr>
-              <a:defRPr sz="1400"/>
+              <a:defRPr sz="1050"/>
             </a:lvl9pPr>
           </a:lstStyle>
           <a:p>
@@ -7365,8 +7365,8 @@
         </p:nvSpPr>
         <p:spPr>
           <a:xfrm>
-            <a:off x="1065213" y="533400"/>
-            <a:ext cx="4114800" cy="1524000"/>
+            <a:off x="799118" y="533400"/>
+            <a:ext cx="3086904" cy="1524000"/>
           </a:xfrm>
         </p:spPr>
         <p:txBody>
@@ -7375,7 +7375,7 @@
           </a:bodyPr>
           <a:lstStyle>
             <a:lvl1pPr algn="l">
-              <a:defRPr sz="3600" b="1"/>
+              <a:defRPr sz="2701" b="1"/>
             </a:lvl1pPr>
           </a:lstStyle>
           <a:p>
@@ -7399,8 +7399,8 @@
         </p:nvSpPr>
         <p:spPr>
           <a:xfrm>
-            <a:off x="5865813" y="533400"/>
-            <a:ext cx="5867400" cy="5486400"/>
+            <a:off x="4400506" y="533400"/>
+            <a:ext cx="4401696" cy="5486400"/>
           </a:xfrm>
         </p:spPr>
         <p:txBody>
@@ -7409,31 +7409,31 @@
           </a:bodyPr>
           <a:lstStyle>
             <a:lvl1pPr>
-              <a:defRPr sz="2000"/>
+              <a:defRPr sz="1500"/>
             </a:lvl1pPr>
             <a:lvl2pPr>
-              <a:defRPr sz="1800"/>
+              <a:defRPr sz="1350"/>
             </a:lvl2pPr>
             <a:lvl3pPr>
-              <a:defRPr sz="1600"/>
+              <a:defRPr sz="1200"/>
             </a:lvl3pPr>
             <a:lvl4pPr>
-              <a:defRPr sz="1400"/>
+              <a:defRPr sz="1050"/>
             </a:lvl4pPr>
             <a:lvl5pPr>
-              <a:defRPr sz="1400"/>
+              <a:defRPr sz="1050"/>
             </a:lvl5pPr>
             <a:lvl6pPr>
-              <a:defRPr sz="1400"/>
+              <a:defRPr sz="1050"/>
             </a:lvl6pPr>
             <a:lvl7pPr>
-              <a:defRPr sz="1400"/>
+              <a:defRPr sz="1050"/>
             </a:lvl7pPr>
             <a:lvl8pPr>
-              <a:defRPr sz="1400"/>
+              <a:defRPr sz="1050"/>
             </a:lvl8pPr>
             <a:lvl9pPr>
-              <a:defRPr sz="1400"/>
+              <a:defRPr sz="1050"/>
             </a:lvl9pPr>
           </a:lstStyle>
           <a:p>
@@ -7486,8 +7486,8 @@
         </p:nvSpPr>
         <p:spPr>
           <a:xfrm>
-            <a:off x="1065213" y="2209800"/>
-            <a:ext cx="4114800" cy="3810000"/>
+            <a:off x="799118" y="2209800"/>
+            <a:ext cx="3086904" cy="3810000"/>
           </a:xfrm>
         </p:spPr>
         <p:txBody>
@@ -7500,10 +7500,10 @@
                 <a:spcPct val="110000"/>
               </a:lnSpc>
               <a:spcBef>
-                <a:spcPts val="600"/>
+                <a:spcPts val="450"/>
               </a:spcBef>
               <a:buNone/>
-              <a:defRPr sz="1800">
+              <a:defRPr sz="1350">
                 <a:solidFill>
                   <a:schemeClr val="tx1">
                     <a:lumMod val="65000"/>
@@ -7512,37 +7512,37 @@
                 </a:solidFill>
               </a:defRPr>
             </a:lvl1pPr>
-            <a:lvl2pPr marL="457200" indent="0">
-              <a:buNone/>
-              <a:defRPr sz="1200"/>
-            </a:lvl2pPr>
-            <a:lvl3pPr marL="914400" indent="0">
-              <a:buNone/>
-              <a:defRPr sz="1000"/>
-            </a:lvl3pPr>
-            <a:lvl4pPr marL="1371600" indent="0">
+            <a:lvl2pPr marL="342991" indent="0">
               <a:buNone/>
               <a:defRPr sz="900"/>
+            </a:lvl2pPr>
+            <a:lvl3pPr marL="685983" indent="0">
+              <a:buNone/>
+              <a:defRPr sz="750"/>
+            </a:lvl3pPr>
+            <a:lvl4pPr marL="1028974" indent="0">
+              <a:buNone/>
+              <a:defRPr sz="675"/>
             </a:lvl4pPr>
-            <a:lvl5pPr marL="1828800" indent="0">
+            <a:lvl5pPr marL="1371966" indent="0">
               <a:buNone/>
-              <a:defRPr sz="900"/>
+              <a:defRPr sz="675"/>
             </a:lvl5pPr>
-            <a:lvl6pPr marL="2286000" indent="0">
+            <a:lvl6pPr marL="1714957" indent="0">
               <a:buNone/>
-              <a:defRPr sz="900"/>
+              <a:defRPr sz="675"/>
             </a:lvl6pPr>
-            <a:lvl7pPr marL="2743200" indent="0">
+            <a:lvl7pPr marL="2057949" indent="0">
               <a:buNone/>
-              <a:defRPr sz="900"/>
+              <a:defRPr sz="675"/>
             </a:lvl7pPr>
-            <a:lvl8pPr marL="3200400" indent="0">
+            <a:lvl8pPr marL="2400940" indent="0">
               <a:buNone/>
-              <a:defRPr sz="900"/>
+              <a:defRPr sz="675"/>
             </a:lvl8pPr>
-            <a:lvl9pPr marL="3657600" indent="0">
+            <a:lvl9pPr marL="2743932" indent="0">
               <a:buNone/>
-              <a:defRPr sz="900"/>
+              <a:defRPr sz="675"/>
             </a:lvl9pPr>
           </a:lstStyle>
           <a:p>
@@ -7691,8 +7691,8 @@
         </p:nvSpPr>
         <p:spPr>
           <a:xfrm>
-            <a:off x="1065213" y="533400"/>
-            <a:ext cx="4114800" cy="1524000"/>
+            <a:off x="799118" y="533400"/>
+            <a:ext cx="3086904" cy="1524000"/>
           </a:xfrm>
         </p:spPr>
         <p:txBody>
@@ -7701,7 +7701,7 @@
           </a:bodyPr>
           <a:lstStyle>
             <a:lvl1pPr algn="l">
-              <a:defRPr sz="3600" b="1"/>
+              <a:defRPr sz="2701" b="1"/>
             </a:lvl1pPr>
           </a:lstStyle>
           <a:p>
@@ -7725,8 +7725,8 @@
         </p:nvSpPr>
         <p:spPr>
           <a:xfrm>
-            <a:off x="5865812" y="533400"/>
-            <a:ext cx="5780173" cy="5791200"/>
+            <a:off x="4400505" y="533400"/>
+            <a:ext cx="4336259" cy="5791200"/>
           </a:xfrm>
           <a:ln w="50800">
             <a:solidFill>
@@ -7745,39 +7745,39 @@
           <a:lstStyle>
             <a:lvl1pPr marL="0" indent="0" algn="ctr">
               <a:buNone/>
-              <a:defRPr sz="2400"/>
+              <a:defRPr sz="1800"/>
             </a:lvl1pPr>
-            <a:lvl2pPr marL="457200" indent="0">
+            <a:lvl2pPr marL="342991" indent="0">
               <a:buNone/>
-              <a:defRPr sz="2800"/>
+              <a:defRPr sz="2101"/>
             </a:lvl2pPr>
-            <a:lvl3pPr marL="914400" indent="0">
+            <a:lvl3pPr marL="685983" indent="0">
               <a:buNone/>
-              <a:defRPr sz="2400"/>
+              <a:defRPr sz="1800"/>
             </a:lvl3pPr>
-            <a:lvl4pPr marL="1371600" indent="0">
+            <a:lvl4pPr marL="1028974" indent="0">
               <a:buNone/>
-              <a:defRPr sz="2000"/>
+              <a:defRPr sz="1500"/>
             </a:lvl4pPr>
-            <a:lvl5pPr marL="1828800" indent="0">
+            <a:lvl5pPr marL="1371966" indent="0">
               <a:buNone/>
-              <a:defRPr sz="2000"/>
+              <a:defRPr sz="1500"/>
             </a:lvl5pPr>
-            <a:lvl6pPr marL="2286000" indent="0">
+            <a:lvl6pPr marL="1714957" indent="0">
               <a:buNone/>
-              <a:defRPr sz="2000"/>
+              <a:defRPr sz="1500"/>
             </a:lvl6pPr>
-            <a:lvl7pPr marL="2743200" indent="0">
+            <a:lvl7pPr marL="2057949" indent="0">
               <a:buNone/>
-              <a:defRPr sz="2000"/>
+              <a:defRPr sz="1500"/>
             </a:lvl7pPr>
-            <a:lvl8pPr marL="3200400" indent="0">
+            <a:lvl8pPr marL="2400940" indent="0">
               <a:buNone/>
-              <a:defRPr sz="2000"/>
+              <a:defRPr sz="1500"/>
             </a:lvl8pPr>
-            <a:lvl9pPr marL="3657600" indent="0">
+            <a:lvl9pPr marL="2743932" indent="0">
               <a:buNone/>
-              <a:defRPr sz="2000"/>
+              <a:defRPr sz="1500"/>
             </a:lvl9pPr>
           </a:lstStyle>
           <a:p>
@@ -7801,8 +7801,8 @@
         </p:nvSpPr>
         <p:spPr>
           <a:xfrm>
-            <a:off x="1065213" y="2209800"/>
-            <a:ext cx="4114800" cy="3810000"/>
+            <a:off x="799118" y="2209800"/>
+            <a:ext cx="3086904" cy="3810000"/>
           </a:xfrm>
         </p:spPr>
         <p:txBody>
@@ -7815,42 +7815,42 @@
                 <a:spcPct val="110000"/>
               </a:lnSpc>
               <a:spcBef>
-                <a:spcPts val="600"/>
+                <a:spcPts val="450"/>
               </a:spcBef>
               <a:buNone/>
-              <a:defRPr sz="1800"/>
+              <a:defRPr sz="1350"/>
             </a:lvl1pPr>
-            <a:lvl2pPr marL="457200" indent="0">
-              <a:buNone/>
-              <a:defRPr sz="1200"/>
-            </a:lvl2pPr>
-            <a:lvl3pPr marL="914400" indent="0">
-              <a:buNone/>
-              <a:defRPr sz="1000"/>
-            </a:lvl3pPr>
-            <a:lvl4pPr marL="1371600" indent="0">
+            <a:lvl2pPr marL="342991" indent="0">
               <a:buNone/>
               <a:defRPr sz="900"/>
+            </a:lvl2pPr>
+            <a:lvl3pPr marL="685983" indent="0">
+              <a:buNone/>
+              <a:defRPr sz="750"/>
+            </a:lvl3pPr>
+            <a:lvl4pPr marL="1028974" indent="0">
+              <a:buNone/>
+              <a:defRPr sz="675"/>
             </a:lvl4pPr>
-            <a:lvl5pPr marL="1828800" indent="0">
+            <a:lvl5pPr marL="1371966" indent="0">
               <a:buNone/>
-              <a:defRPr sz="900"/>
+              <a:defRPr sz="675"/>
             </a:lvl5pPr>
-            <a:lvl6pPr marL="2286000" indent="0">
+            <a:lvl6pPr marL="1714957" indent="0">
               <a:buNone/>
-              <a:defRPr sz="900"/>
+              <a:defRPr sz="675"/>
             </a:lvl6pPr>
-            <a:lvl7pPr marL="2743200" indent="0">
+            <a:lvl7pPr marL="2057949" indent="0">
               <a:buNone/>
-              <a:defRPr sz="900"/>
+              <a:defRPr sz="675"/>
             </a:lvl7pPr>
-            <a:lvl8pPr marL="3200400" indent="0">
+            <a:lvl8pPr marL="2400940" indent="0">
               <a:buNone/>
-              <a:defRPr sz="900"/>
+              <a:defRPr sz="675"/>
             </a:lvl8pPr>
-            <a:lvl9pPr marL="3657600" indent="0">
+            <a:lvl9pPr marL="2743932" indent="0">
               <a:buNone/>
-              <a:defRPr sz="900"/>
+              <a:defRPr sz="675"/>
             </a:lvl9pPr>
           </a:lstStyle>
           <a:p>
@@ -7930,8 +7930,8 @@
         </p:nvSpPr>
         <p:spPr>
           <a:xfrm>
-            <a:off x="1065212" y="533400"/>
-            <a:ext cx="8686801" cy="1066800"/>
+            <a:off x="799117" y="533400"/>
+            <a:ext cx="6516798" cy="1066800"/>
           </a:xfrm>
           <a:prstGeom prst="rect">
             <a:avLst/>
@@ -7963,8 +7963,8 @@
         </p:nvSpPr>
         <p:spPr>
           <a:xfrm>
-            <a:off x="1065212" y="1828800"/>
-            <a:ext cx="8686801" cy="4191000"/>
+            <a:off x="799117" y="1828800"/>
+            <a:ext cx="6516798" cy="4191000"/>
           </a:xfrm>
           <a:prstGeom prst="rect">
             <a:avLst/>
@@ -8025,8 +8025,8 @@
         </p:nvSpPr>
         <p:spPr>
           <a:xfrm>
-            <a:off x="1065213" y="6155267"/>
-            <a:ext cx="5653087" cy="273049"/>
+            <a:off x="799118" y="6155268"/>
+            <a:ext cx="4240920" cy="273049"/>
           </a:xfrm>
           <a:prstGeom prst="rect">
             <a:avLst/>
@@ -8036,7 +8036,7 @@
           <a:bodyPr vert="horz" lIns="91440" tIns="45720" rIns="91440" bIns="45720" rtlCol="0" anchor="ctr"/>
           <a:lstStyle>
             <a:lvl1pPr algn="l">
-              <a:defRPr sz="1200">
+              <a:defRPr sz="900">
                 <a:solidFill>
                   <a:schemeClr val="tx1">
                     <a:lumMod val="65000"/>
@@ -8066,8 +8066,8 @@
         </p:nvSpPr>
         <p:spPr>
           <a:xfrm>
-            <a:off x="6932612" y="6155267"/>
-            <a:ext cx="1371600" cy="273049"/>
+            <a:off x="5200813" y="6155268"/>
+            <a:ext cx="1028968" cy="273049"/>
           </a:xfrm>
           <a:prstGeom prst="rect">
             <a:avLst/>
@@ -8077,7 +8077,7 @@
           <a:bodyPr vert="horz" lIns="91440" tIns="45720" rIns="91440" bIns="45720" rtlCol="0" anchor="ctr"/>
           <a:lstStyle>
             <a:lvl1pPr algn="r">
-              <a:defRPr sz="1200">
+              <a:defRPr sz="900">
                 <a:solidFill>
                   <a:schemeClr val="tx1">
                     <a:lumMod val="65000"/>
@@ -8109,8 +8109,8 @@
         </p:nvSpPr>
         <p:spPr>
           <a:xfrm>
-            <a:off x="8532812" y="6155267"/>
-            <a:ext cx="1219201" cy="273049"/>
+            <a:off x="6401276" y="6155268"/>
+            <a:ext cx="914639" cy="273049"/>
           </a:xfrm>
           <a:prstGeom prst="rect">
             <a:avLst/>
@@ -8120,7 +8120,7 @@
           <a:bodyPr vert="horz" lIns="91440" tIns="45720" rIns="91440" bIns="45720" rtlCol="0" anchor="ctr"/>
           <a:lstStyle>
             <a:lvl1pPr algn="r">
-              <a:defRPr sz="1200">
+              <a:defRPr sz="900">
                 <a:solidFill>
                   <a:schemeClr val="tx1">
                     <a:lumMod val="65000"/>
@@ -8176,7 +8176,7 @@
   </mc:AlternateContent>
   <p:txStyles>
     <p:titleStyle>
-      <a:lvl1pPr algn="l" defTabSz="914400" rtl="0" eaLnBrk="1" latinLnBrk="0" hangingPunct="1">
+      <a:lvl1pPr algn="l" defTabSz="685983" rtl="0" eaLnBrk="1" latinLnBrk="0" hangingPunct="1">
         <a:lnSpc>
           <a:spcPct val="80000"/>
         </a:lnSpc>
@@ -8184,7 +8184,7 @@
           <a:spcPct val="0"/>
         </a:spcBef>
         <a:buNone/>
-        <a:defRPr sz="3600" b="1" kern="1200">
+        <a:defRPr sz="2701" b="1" kern="1200">
           <a:solidFill>
             <a:schemeClr val="accent1">
               <a:lumMod val="75000"/>
@@ -8197,12 +8197,12 @@
       </a:lvl1pPr>
     </p:titleStyle>
     <p:bodyStyle>
-      <a:lvl1pPr marL="274320" indent="-228600" algn="l" defTabSz="914400" rtl="0" eaLnBrk="1" latinLnBrk="0" hangingPunct="1">
+      <a:lvl1pPr marL="205795" indent="-171496" algn="l" defTabSz="685983" rtl="0" eaLnBrk="1" latinLnBrk="0" hangingPunct="1">
         <a:lnSpc>
           <a:spcPct val="90000"/>
         </a:lnSpc>
         <a:spcBef>
-          <a:spcPts val="1800"/>
+          <a:spcPts val="1350"/>
         </a:spcBef>
         <a:buClr>
           <a:schemeClr val="tx1">
@@ -8213,7 +8213,7 @@
         <a:buSzPct val="80000"/>
         <a:buFont typeface="Arial" pitchFamily="34" charset="0"/>
         <a:buChar char="•"/>
-        <a:defRPr sz="2000" kern="1200">
+        <a:defRPr sz="1500" kern="1200">
           <a:solidFill>
             <a:schemeClr val="tx1">
               <a:lumMod val="65000"/>
@@ -8225,12 +8225,12 @@
           <a:cs typeface="+mn-cs"/>
         </a:defRPr>
       </a:lvl1pPr>
-      <a:lvl2pPr marL="594360" indent="-228600" algn="l" defTabSz="914400" rtl="0" eaLnBrk="1" latinLnBrk="0" hangingPunct="1">
+      <a:lvl2pPr marL="445889" indent="-171496" algn="l" defTabSz="685983" rtl="0" eaLnBrk="1" latinLnBrk="0" hangingPunct="1">
         <a:lnSpc>
           <a:spcPct val="90000"/>
         </a:lnSpc>
         <a:spcBef>
-          <a:spcPts val="1000"/>
+          <a:spcPts val="750"/>
         </a:spcBef>
         <a:buClr>
           <a:schemeClr val="tx1">
@@ -8241,7 +8241,7 @@
         <a:buSzPct val="80000"/>
         <a:buFont typeface="Arial" pitchFamily="34" charset="0"/>
         <a:buChar char="•"/>
-        <a:defRPr sz="1800" kern="1200">
+        <a:defRPr sz="1350" kern="1200">
           <a:solidFill>
             <a:schemeClr val="tx1">
               <a:lumMod val="65000"/>
@@ -8253,12 +8253,12 @@
           <a:cs typeface="+mn-cs"/>
         </a:defRPr>
       </a:lvl2pPr>
-      <a:lvl3pPr marL="777240" indent="-182880" algn="l" defTabSz="914400" rtl="0" eaLnBrk="1" latinLnBrk="0" hangingPunct="1">
+      <a:lvl3pPr marL="583085" indent="-137197" algn="l" defTabSz="685983" rtl="0" eaLnBrk="1" latinLnBrk="0" hangingPunct="1">
         <a:lnSpc>
           <a:spcPct val="90000"/>
         </a:lnSpc>
         <a:spcBef>
-          <a:spcPts val="600"/>
+          <a:spcPts val="450"/>
         </a:spcBef>
         <a:buClr>
           <a:schemeClr val="tx1">
@@ -8269,7 +8269,7 @@
         <a:buSzPct val="80000"/>
         <a:buFont typeface="Arial" pitchFamily="34" charset="0"/>
         <a:buChar char="•"/>
-        <a:defRPr sz="1600" kern="1200">
+        <a:defRPr sz="1200" kern="1200">
           <a:solidFill>
             <a:schemeClr val="tx1">
               <a:lumMod val="65000"/>
@@ -8281,12 +8281,12 @@
           <a:cs typeface="+mn-cs"/>
         </a:defRPr>
       </a:lvl3pPr>
-      <a:lvl4pPr marL="960120" indent="-182880" algn="l" defTabSz="914400" rtl="0" eaLnBrk="1" latinLnBrk="0" hangingPunct="1">
+      <a:lvl4pPr marL="720282" indent="-137197" algn="l" defTabSz="685983" rtl="0" eaLnBrk="1" latinLnBrk="0" hangingPunct="1">
         <a:lnSpc>
           <a:spcPct val="90000"/>
         </a:lnSpc>
         <a:spcBef>
-          <a:spcPts val="600"/>
+          <a:spcPts val="450"/>
         </a:spcBef>
         <a:buClr>
           <a:schemeClr val="tx1">
@@ -8297,7 +8297,7 @@
         <a:buSzPct val="80000"/>
         <a:buFont typeface="Arial" pitchFamily="34" charset="0"/>
         <a:buChar char="•"/>
-        <a:defRPr sz="1400" kern="1200">
+        <a:defRPr sz="1050" kern="1200">
           <a:solidFill>
             <a:schemeClr val="tx1">
               <a:lumMod val="65000"/>
@@ -8309,12 +8309,12 @@
           <a:cs typeface="+mn-cs"/>
         </a:defRPr>
       </a:lvl4pPr>
-      <a:lvl5pPr marL="1097280" indent="-137160" algn="l" defTabSz="914400" rtl="0" eaLnBrk="1" latinLnBrk="0" hangingPunct="1">
+      <a:lvl5pPr marL="823179" indent="-102897" algn="l" defTabSz="685983" rtl="0" eaLnBrk="1" latinLnBrk="0" hangingPunct="1">
         <a:lnSpc>
           <a:spcPct val="90000"/>
         </a:lnSpc>
         <a:spcBef>
-          <a:spcPts val="600"/>
+          <a:spcPts val="450"/>
         </a:spcBef>
         <a:buClr>
           <a:schemeClr val="tx1">
@@ -8325,7 +8325,7 @@
         <a:buSzPct val="80000"/>
         <a:buFont typeface="Arial" pitchFamily="34" charset="0"/>
         <a:buChar char="•"/>
-        <a:defRPr sz="1400" kern="1200">
+        <a:defRPr sz="1050" kern="1200">
           <a:solidFill>
             <a:schemeClr val="tx1">
               <a:lumMod val="65000"/>
@@ -8337,14 +8337,14 @@
           <a:cs typeface="+mn-cs"/>
         </a:defRPr>
       </a:lvl5pPr>
-      <a:lvl6pPr marL="1234440" indent="-137160" algn="l" defTabSz="914400" rtl="0" eaLnBrk="1" latinLnBrk="0" hangingPunct="1">
+      <a:lvl6pPr marL="926077" indent="-102897" algn="l" defTabSz="685983" rtl="0" eaLnBrk="1" latinLnBrk="0" hangingPunct="1">
         <a:spcBef>
-          <a:spcPts val="600"/>
+          <a:spcPts val="450"/>
         </a:spcBef>
         <a:buSzPct val="80000"/>
         <a:buFont typeface="Arial" pitchFamily="34" charset="0"/>
         <a:buChar char="•"/>
-        <a:defRPr sz="1400" kern="1200">
+        <a:defRPr sz="1050" kern="1200">
           <a:solidFill>
             <a:schemeClr val="tx1">
               <a:lumMod val="65000"/>
@@ -8356,14 +8356,14 @@
           <a:cs typeface="+mn-cs"/>
         </a:defRPr>
       </a:lvl6pPr>
-      <a:lvl7pPr marL="1371600" indent="-137160" algn="l" defTabSz="914400" rtl="0" eaLnBrk="1" latinLnBrk="0" hangingPunct="1">
+      <a:lvl7pPr marL="1028974" indent="-102897" algn="l" defTabSz="685983" rtl="0" eaLnBrk="1" latinLnBrk="0" hangingPunct="1">
         <a:spcBef>
-          <a:spcPts val="600"/>
+          <a:spcPts val="450"/>
         </a:spcBef>
         <a:buSzPct val="80000"/>
         <a:buFont typeface="Arial" pitchFamily="34" charset="0"/>
         <a:buChar char="•"/>
-        <a:defRPr sz="1400" kern="1200">
+        <a:defRPr sz="1050" kern="1200">
           <a:solidFill>
             <a:schemeClr val="tx1">
               <a:lumMod val="65000"/>
@@ -8375,14 +8375,14 @@
           <a:cs typeface="+mn-cs"/>
         </a:defRPr>
       </a:lvl7pPr>
-      <a:lvl8pPr marL="1508760" indent="-137160" algn="l" defTabSz="914400" rtl="0" eaLnBrk="1" latinLnBrk="0" hangingPunct="1">
+      <a:lvl8pPr marL="1131872" indent="-102897" algn="l" defTabSz="685983" rtl="0" eaLnBrk="1" latinLnBrk="0" hangingPunct="1">
         <a:spcBef>
-          <a:spcPts val="600"/>
+          <a:spcPts val="450"/>
         </a:spcBef>
         <a:buSzPct val="80000"/>
         <a:buFont typeface="Arial" pitchFamily="34" charset="0"/>
         <a:buChar char="•"/>
-        <a:defRPr sz="1400" kern="1200">
+        <a:defRPr sz="1050" kern="1200">
           <a:solidFill>
             <a:schemeClr val="tx1">
               <a:lumMod val="65000"/>
@@ -8394,14 +8394,14 @@
           <a:cs typeface="+mn-cs"/>
         </a:defRPr>
       </a:lvl8pPr>
-      <a:lvl9pPr marL="1645920" indent="-137160" algn="l" defTabSz="914400" rtl="0" eaLnBrk="1" latinLnBrk="0" hangingPunct="1">
+      <a:lvl9pPr marL="1234769" indent="-102897" algn="l" defTabSz="685983" rtl="0" eaLnBrk="1" latinLnBrk="0" hangingPunct="1">
         <a:spcBef>
-          <a:spcPts val="600"/>
+          <a:spcPts val="450"/>
         </a:spcBef>
         <a:buSzPct val="80000"/>
         <a:buFont typeface="Arial" pitchFamily="34" charset="0"/>
         <a:buChar char="•"/>
-        <a:defRPr sz="1400" kern="1200">
+        <a:defRPr sz="1050" kern="1200">
           <a:solidFill>
             <a:schemeClr val="tx1">
               <a:lumMod val="65000"/>
@@ -8418,8 +8418,8 @@
       <a:defPPr>
         <a:defRPr/>
       </a:defPPr>
-      <a:lvl1pPr marL="0" algn="l" defTabSz="914400" rtl="0" eaLnBrk="1" latinLnBrk="0" hangingPunct="1">
-        <a:defRPr sz="1800" kern="1200">
+      <a:lvl1pPr marL="0" algn="l" defTabSz="685983" rtl="0" eaLnBrk="1" latinLnBrk="0" hangingPunct="1">
+        <a:defRPr sz="1350" kern="1200">
           <a:solidFill>
             <a:schemeClr val="tx1"/>
           </a:solidFill>
@@ -8428,8 +8428,8 @@
           <a:cs typeface="+mn-cs"/>
         </a:defRPr>
       </a:lvl1pPr>
-      <a:lvl2pPr marL="457200" algn="l" defTabSz="914400" rtl="0" eaLnBrk="1" latinLnBrk="0" hangingPunct="1">
-        <a:defRPr sz="1800" kern="1200">
+      <a:lvl2pPr marL="342991" algn="l" defTabSz="685983" rtl="0" eaLnBrk="1" latinLnBrk="0" hangingPunct="1">
+        <a:defRPr sz="1350" kern="1200">
           <a:solidFill>
             <a:schemeClr val="tx1"/>
           </a:solidFill>
@@ -8438,8 +8438,8 @@
           <a:cs typeface="+mn-cs"/>
         </a:defRPr>
       </a:lvl2pPr>
-      <a:lvl3pPr marL="914400" algn="l" defTabSz="914400" rtl="0" eaLnBrk="1" latinLnBrk="0" hangingPunct="1">
-        <a:defRPr sz="1800" kern="1200">
+      <a:lvl3pPr marL="685983" algn="l" defTabSz="685983" rtl="0" eaLnBrk="1" latinLnBrk="0" hangingPunct="1">
+        <a:defRPr sz="1350" kern="1200">
           <a:solidFill>
             <a:schemeClr val="tx1"/>
           </a:solidFill>
@@ -8448,8 +8448,8 @@
           <a:cs typeface="+mn-cs"/>
         </a:defRPr>
       </a:lvl3pPr>
-      <a:lvl4pPr marL="1371600" algn="l" defTabSz="914400" rtl="0" eaLnBrk="1" latinLnBrk="0" hangingPunct="1">
-        <a:defRPr sz="1800" kern="1200">
+      <a:lvl4pPr marL="1028974" algn="l" defTabSz="685983" rtl="0" eaLnBrk="1" latinLnBrk="0" hangingPunct="1">
+        <a:defRPr sz="1350" kern="1200">
           <a:solidFill>
             <a:schemeClr val="tx1"/>
           </a:solidFill>
@@ -8458,8 +8458,8 @@
           <a:cs typeface="+mn-cs"/>
         </a:defRPr>
       </a:lvl4pPr>
-      <a:lvl5pPr marL="1828800" algn="l" defTabSz="914400" rtl="0" eaLnBrk="1" latinLnBrk="0" hangingPunct="1">
-        <a:defRPr sz="1800" kern="1200">
+      <a:lvl5pPr marL="1371966" algn="l" defTabSz="685983" rtl="0" eaLnBrk="1" latinLnBrk="0" hangingPunct="1">
+        <a:defRPr sz="1350" kern="1200">
           <a:solidFill>
             <a:schemeClr val="tx1"/>
           </a:solidFill>
@@ -8468,8 +8468,8 @@
           <a:cs typeface="+mn-cs"/>
         </a:defRPr>
       </a:lvl5pPr>
-      <a:lvl6pPr marL="2286000" algn="l" defTabSz="914400" rtl="0" eaLnBrk="1" latinLnBrk="0" hangingPunct="1">
-        <a:defRPr sz="1800" kern="1200">
+      <a:lvl6pPr marL="1714957" algn="l" defTabSz="685983" rtl="0" eaLnBrk="1" latinLnBrk="0" hangingPunct="1">
+        <a:defRPr sz="1350" kern="1200">
           <a:solidFill>
             <a:schemeClr val="tx1"/>
           </a:solidFill>
@@ -8478,8 +8478,8 @@
           <a:cs typeface="+mn-cs"/>
         </a:defRPr>
       </a:lvl6pPr>
-      <a:lvl7pPr marL="2743200" algn="l" defTabSz="914400" rtl="0" eaLnBrk="1" latinLnBrk="0" hangingPunct="1">
-        <a:defRPr sz="1800" kern="1200">
+      <a:lvl7pPr marL="2057949" algn="l" defTabSz="685983" rtl="0" eaLnBrk="1" latinLnBrk="0" hangingPunct="1">
+        <a:defRPr sz="1350" kern="1200">
           <a:solidFill>
             <a:schemeClr val="tx1"/>
           </a:solidFill>
@@ -8488,8 +8488,8 @@
           <a:cs typeface="+mn-cs"/>
         </a:defRPr>
       </a:lvl7pPr>
-      <a:lvl8pPr marL="3200400" algn="l" defTabSz="914400" rtl="0" eaLnBrk="1" latinLnBrk="0" hangingPunct="1">
-        <a:defRPr sz="1800" kern="1200">
+      <a:lvl8pPr marL="2400940" algn="l" defTabSz="685983" rtl="0" eaLnBrk="1" latinLnBrk="0" hangingPunct="1">
+        <a:defRPr sz="1350" kern="1200">
           <a:solidFill>
             <a:schemeClr val="tx1"/>
           </a:solidFill>
@@ -8498,8 +8498,8 @@
           <a:cs typeface="+mn-cs"/>
         </a:defRPr>
       </a:lvl8pPr>
-      <a:lvl9pPr marL="3657600" algn="l" defTabSz="914400" rtl="0" eaLnBrk="1" latinLnBrk="0" hangingPunct="1">
-        <a:defRPr sz="1800" kern="1200">
+      <a:lvl9pPr marL="2743932" algn="l" defTabSz="685983" rtl="0" eaLnBrk="1" latinLnBrk="0" hangingPunct="1">
+        <a:defRPr sz="1350" kern="1200">
           <a:solidFill>
             <a:schemeClr val="tx1"/>
           </a:solidFill>
@@ -8513,7 +8513,7 @@
   <p:extLst mod="1">
     <p:ext uri="{27BBF7A9-308A-43DC-89C8-2F10F3537804}">
       <p15:sldGuideLst xmlns:p15="http://schemas.microsoft.com/office/powerpoint/2012/main">
-        <p15:guide id="1" pos="3839" userDrawn="1">
+        <p15:guide id="1" pos="2880" userDrawn="1">
           <p15:clr>
             <a:srgbClr val="F26B43"/>
           </p15:clr>
@@ -8558,8 +8558,8 @@
         </p:nvSpPr>
         <p:spPr>
           <a:xfrm>
-            <a:off x="150812" y="152400"/>
-            <a:ext cx="10591800" cy="1828800"/>
+            <a:off x="113139" y="970910"/>
+            <a:ext cx="7945919" cy="1371957"/>
           </a:xfrm>
         </p:spPr>
         <p:txBody>
@@ -8585,13 +8585,13 @@
         </p:nvSpPr>
         <p:spPr>
           <a:xfrm>
-            <a:off x="417511" y="3657600"/>
-            <a:ext cx="5029201" cy="1397000"/>
+            <a:off x="313216" y="3600495"/>
+            <a:ext cx="3772883" cy="1048023"/>
           </a:xfrm>
         </p:spPr>
         <p:txBody>
           <a:bodyPr>
-            <a:normAutofit fontScale="92500" lnSpcReduction="10000"/>
+            <a:normAutofit fontScale="92500" lnSpcReduction="20000"/>
           </a:bodyPr>
           <a:lstStyle/>
           <a:p>
@@ -8654,6 +8654,13 @@
       </p:transition>
     </mc:Fallback>
   </mc:AlternateContent>
+  <p:timing>
+    <p:tnLst>
+      <p:par>
+        <p:cTn id="1" dur="indefinite" restart="never" nodeType="tmRoot"/>
+      </p:par>
+    </p:tnLst>
+  </p:timing>
 </p:sld>
 </file>
 
@@ -8686,8 +8693,8 @@
         </p:nvSpPr>
         <p:spPr>
           <a:xfrm>
-            <a:off x="379412" y="0"/>
-            <a:ext cx="9372601" cy="1066800"/>
+            <a:off x="317290" y="318047"/>
+            <a:ext cx="7031282" cy="800308"/>
           </a:xfrm>
         </p:spPr>
         <p:txBody>
@@ -8697,7 +8704,7 @@
           <a:lstStyle/>
           <a:p>
             <a:r>
-              <a:rPr lang="en-US" sz="4400" dirty="0">
+              <a:rPr lang="en-US" sz="3301" dirty="0">
                 <a:solidFill>
                   <a:schemeClr val="tx1"/>
                 </a:solidFill>
@@ -8725,8 +8732,8 @@
           </p:nvPr>
         </p:nvGraphicFramePr>
         <p:xfrm>
-          <a:off x="1065213" y="1828800"/>
-          <a:ext cx="8686800" cy="4191000"/>
+          <a:off x="799118" y="2228537"/>
+          <a:ext cx="6516797" cy="3144069"/>
         </p:xfrm>
         <a:graphic>
           <a:graphicData uri="http://schemas.openxmlformats.org/drawingml/2006/diagram">
@@ -8742,8 +8749,8 @@
         </p:nvSpPr>
         <p:spPr>
           <a:xfrm>
-            <a:off x="531812" y="1087352"/>
-            <a:ext cx="11233150" cy="360448"/>
+            <a:off x="328176" y="1118355"/>
+            <a:ext cx="8427057" cy="270406"/>
           </a:xfrm>
           <a:prstGeom prst="rect">
             <a:avLst/>
@@ -8782,7 +8789,7 @@
           <a:bodyPr rtlCol="0" anchor="ctr"/>
           <a:lstStyle/>
           <a:p>
-            <a:endParaRPr lang="ko-KR" altLang="en-US" sz="1200" dirty="0"/>
+            <a:endParaRPr lang="ko-KR" altLang="en-US" sz="900" dirty="0"/>
           </a:p>
         </p:txBody>
       </p:sp>
@@ -8808,6 +8815,13 @@
       </p:transition>
     </mc:Fallback>
   </mc:AlternateContent>
+  <p:timing>
+    <p:tnLst>
+      <p:par>
+        <p:cTn id="1" dur="indefinite" restart="never" nodeType="tmRoot"/>
+      </p:par>
+    </p:tnLst>
+  </p:timing>
 </p:sld>
 </file>
 
@@ -8840,8 +8854,8 @@
         </p:nvSpPr>
         <p:spPr>
           <a:xfrm>
-            <a:off x="303212" y="-67412"/>
-            <a:ext cx="8686801" cy="1066800"/>
+            <a:off x="262863" y="152400"/>
+            <a:ext cx="6516798" cy="800308"/>
           </a:xfrm>
         </p:spPr>
         <p:txBody>
@@ -8851,7 +8865,7 @@
           <a:lstStyle/>
           <a:p>
             <a:r>
-              <a:rPr lang="en-US" sz="4400" dirty="0">
+              <a:rPr lang="en-US" sz="3301" dirty="0">
                 <a:solidFill>
                   <a:schemeClr val="tx1"/>
                 </a:solidFill>
@@ -8861,7 +8875,7 @@
               <a:t>Population </a:t>
             </a:r>
             <a:r>
-              <a:rPr lang="en-US" sz="4400" dirty="0" smtClean="0">
+              <a:rPr lang="en-US" sz="3301" dirty="0">
                 <a:solidFill>
                   <a:schemeClr val="tx1"/>
                 </a:solidFill>
@@ -8870,7 +8884,7 @@
               </a:rPr>
               <a:t>Density</a:t>
             </a:r>
-            <a:endParaRPr lang="en-US" sz="4400" dirty="0">
+            <a:endParaRPr lang="en-US" sz="3301" dirty="0">
               <a:solidFill>
                 <a:schemeClr val="tx1"/>
               </a:solidFill>
@@ -8898,8 +8912,8 @@
         </p:blipFill>
         <p:spPr>
           <a:xfrm>
-            <a:off x="684211" y="1387200"/>
-            <a:ext cx="8958737" cy="4708800"/>
+            <a:off x="513293" y="1897251"/>
+            <a:ext cx="7553417" cy="3970150"/>
           </a:xfrm>
         </p:spPr>
       </p:pic>
@@ -8911,8 +8925,8 @@
         </p:nvSpPr>
         <p:spPr>
           <a:xfrm>
-            <a:off x="379412" y="1053646"/>
-            <a:ext cx="11233150" cy="360448"/>
+            <a:off x="262863" y="1010273"/>
+            <a:ext cx="8427057" cy="270406"/>
           </a:xfrm>
           <a:prstGeom prst="rect">
             <a:avLst/>
@@ -8952,10 +8966,10 @@
           <a:lstStyle/>
           <a:p>
             <a:r>
-              <a:rPr lang="en-US" altLang="ko-KR" sz="1200" dirty="0"/>
+              <a:rPr lang="en-US" altLang="ko-KR" sz="900" dirty="0"/>
               <a:t>Rank</a:t>
             </a:r>
-            <a:endParaRPr lang="ko-KR" altLang="en-US" sz="1200" dirty="0"/>
+            <a:endParaRPr lang="ko-KR" altLang="en-US" sz="900" dirty="0"/>
           </a:p>
         </p:txBody>
       </p:sp>
@@ -8981,6 +8995,13 @@
       </p:transition>
     </mc:Fallback>
   </mc:AlternateContent>
+  <p:timing>
+    <p:tnLst>
+      <p:par>
+        <p:cTn id="1" dur="indefinite" restart="never" nodeType="tmRoot"/>
+      </p:par>
+    </p:tnLst>
+  </p:timing>
 </p:sld>
 </file>
 
@@ -9013,8 +9034,8 @@
         </p:nvSpPr>
         <p:spPr>
           <a:xfrm>
-            <a:off x="344154" y="-48596"/>
-            <a:ext cx="8686801" cy="1066800"/>
+            <a:off x="284634" y="152400"/>
+            <a:ext cx="6516798" cy="800308"/>
           </a:xfrm>
         </p:spPr>
         <p:txBody>
@@ -9024,7 +9045,7 @@
           <a:lstStyle/>
           <a:p>
             <a:r>
-              <a:rPr lang="en-US" sz="4400" dirty="0" smtClean="0">
+              <a:rPr lang="en-US" sz="3301" dirty="0">
                 <a:solidFill>
                   <a:schemeClr val="tx1"/>
                 </a:solidFill>
@@ -9033,7 +9054,7 @@
               </a:rPr>
               <a:t>Income</a:t>
             </a:r>
-            <a:endParaRPr lang="en-US" sz="4400" dirty="0">
+            <a:endParaRPr lang="en-US" sz="3301" dirty="0">
               <a:solidFill>
                 <a:schemeClr val="tx1"/>
               </a:solidFill>
@@ -9061,8 +9082,8 @@
         </p:blipFill>
         <p:spPr>
           <a:xfrm>
-            <a:off x="1522412" y="1414094"/>
-            <a:ext cx="7791322" cy="4191000"/>
+            <a:off x="457200" y="1664846"/>
+            <a:ext cx="7648038" cy="4113927"/>
           </a:xfrm>
         </p:spPr>
       </p:pic>
@@ -9074,8 +9095,8 @@
         </p:nvSpPr>
         <p:spPr>
           <a:xfrm>
-            <a:off x="379412" y="1053646"/>
-            <a:ext cx="11233150" cy="360448"/>
+            <a:off x="284634" y="1029458"/>
+            <a:ext cx="8427057" cy="270406"/>
           </a:xfrm>
           <a:prstGeom prst="rect">
             <a:avLst/>
@@ -9115,10 +9136,10 @@
           <a:lstStyle/>
           <a:p>
             <a:r>
-              <a:rPr lang="en-US" altLang="ko-KR" sz="1200" dirty="0"/>
+              <a:rPr lang="en-US" altLang="ko-KR" sz="900" dirty="0"/>
               <a:t>Rank</a:t>
             </a:r>
-            <a:endParaRPr lang="ko-KR" altLang="en-US" sz="1200" dirty="0"/>
+            <a:endParaRPr lang="ko-KR" altLang="en-US" sz="900" dirty="0"/>
           </a:p>
         </p:txBody>
       </p:sp>
@@ -9144,6 +9165,13 @@
       </p:transition>
     </mc:Fallback>
   </mc:AlternateContent>
+  <p:timing>
+    <p:tnLst>
+      <p:par>
+        <p:cTn id="1" dur="indefinite" restart="never" nodeType="tmRoot"/>
+      </p:par>
+    </p:tnLst>
+  </p:timing>
 </p:sld>
 </file>
 
@@ -9176,8 +9204,8 @@
         </p:nvSpPr>
         <p:spPr>
           <a:xfrm>
-            <a:off x="1041212" y="57341"/>
-            <a:ext cx="8686801" cy="1066800"/>
+            <a:off x="457200" y="228600"/>
+            <a:ext cx="6516798" cy="800308"/>
           </a:xfrm>
         </p:spPr>
         <p:txBody>
@@ -9187,7 +9215,7 @@
           <a:lstStyle/>
           <a:p>
             <a:r>
-              <a:rPr lang="en-US" sz="4400" dirty="0" smtClean="0">
+              <a:rPr lang="en-US" sz="3301" dirty="0">
                 <a:solidFill>
                   <a:schemeClr val="tx1"/>
                 </a:solidFill>
@@ -9198,7 +9226,7 @@
               <a:t>Supply</a:t>
             </a:r>
             <a:r>
-              <a:rPr lang="en-US" sz="4400" b="0" dirty="0" smtClean="0">
+              <a:rPr lang="en-US" sz="3301" b="0" dirty="0">
                 <a:solidFill>
                   <a:schemeClr val="tx1"/>
                 </a:solidFill>
@@ -9209,7 +9237,7 @@
               <a:t>-</a:t>
             </a:r>
             <a:r>
-              <a:rPr lang="en-US" sz="4400" dirty="0">
+              <a:rPr lang="en-US" sz="3301" dirty="0">
                 <a:solidFill>
                   <a:schemeClr val="tx1"/>
                 </a:solidFill>
@@ -9220,7 +9248,7 @@
               <a:t>D</a:t>
             </a:r>
             <a:r>
-              <a:rPr lang="en-US" sz="4400" dirty="0" smtClean="0">
+              <a:rPr lang="en-US" sz="3301" dirty="0">
                 <a:solidFill>
                   <a:schemeClr val="tx1"/>
                 </a:solidFill>
@@ -9231,7 +9259,7 @@
               <a:t>emand </a:t>
             </a:r>
             <a:r>
-              <a:rPr lang="en-US" sz="4400" dirty="0">
+              <a:rPr lang="en-US" sz="3301" dirty="0">
                 <a:solidFill>
                   <a:schemeClr val="tx1"/>
                 </a:solidFill>
@@ -9242,7 +9270,7 @@
               <a:t>R</a:t>
             </a:r>
             <a:r>
-              <a:rPr lang="en-US" sz="4400" dirty="0" smtClean="0">
+              <a:rPr lang="en-US" sz="3301" dirty="0">
                 <a:solidFill>
                   <a:schemeClr val="tx1"/>
                 </a:solidFill>
@@ -9252,7 +9280,7 @@
               </a:rPr>
               <a:t>atio</a:t>
             </a:r>
-            <a:endParaRPr lang="en-US" sz="4400" dirty="0">
+            <a:endParaRPr lang="en-US" sz="3301" dirty="0">
               <a:solidFill>
                 <a:schemeClr val="tx1"/>
               </a:solidFill>
@@ -9290,8 +9318,8 @@
         </p:nvSpPr>
         <p:spPr>
           <a:xfrm>
-            <a:off x="760412" y="1282799"/>
-            <a:ext cx="11233150" cy="360448"/>
+            <a:off x="457200" y="1158448"/>
+            <a:ext cx="8427057" cy="270406"/>
           </a:xfrm>
           <a:prstGeom prst="rect">
             <a:avLst/>
@@ -9334,10 +9362,10 @@
           <a:lstStyle/>
           <a:p>
             <a:r>
-              <a:rPr lang="en-US" altLang="ko-KR" sz="1200" dirty="0" smtClean="0"/>
+              <a:rPr lang="en-US" altLang="ko-KR" sz="900" dirty="0"/>
               <a:t>Rank</a:t>
             </a:r>
-            <a:endParaRPr lang="ko-KR" altLang="en-US" sz="1200" dirty="0"/>
+            <a:endParaRPr lang="ko-KR" altLang="en-US" sz="900" dirty="0"/>
           </a:p>
         </p:txBody>
       </p:sp>
@@ -9363,6 +9391,13 @@
       </p:transition>
     </mc:Fallback>
   </mc:AlternateContent>
+  <p:timing>
+    <p:tnLst>
+      <p:par>
+        <p:cTn id="1" dur="indefinite" restart="never" nodeType="tmRoot"/>
+      </p:par>
+    </p:tnLst>
+  </p:timing>
 </p:sld>
 </file>
 
@@ -9395,8 +9430,8 @@
         </p:nvSpPr>
         <p:spPr>
           <a:xfrm>
-            <a:off x="1032248" y="457200"/>
-            <a:ext cx="8686801" cy="838200"/>
+            <a:off x="341798" y="152400"/>
+            <a:ext cx="6516798" cy="628814"/>
           </a:xfrm>
         </p:spPr>
         <p:txBody>
@@ -9406,7 +9441,7 @@
           <a:lstStyle/>
           <a:p>
             <a:r>
-              <a:rPr lang="en-US" sz="4400" dirty="0" smtClean="0">
+              <a:rPr lang="en-US" sz="3301" dirty="0">
                 <a:solidFill>
                   <a:schemeClr val="tx1"/>
                 </a:solidFill>
@@ -9416,7 +9451,7 @@
               </a:rPr>
               <a:t>Future Strategy</a:t>
             </a:r>
-            <a:endParaRPr lang="en-US" sz="4400" dirty="0">
+            <a:endParaRPr lang="en-US" sz="3301" dirty="0">
               <a:solidFill>
                 <a:schemeClr val="tx1"/>
               </a:solidFill>
@@ -9437,7 +9472,12 @@
             <p:ph idx="1"/>
           </p:nvPr>
         </p:nvSpPr>
-        <p:spPr/>
+        <p:spPr>
+          <a:xfrm>
+            <a:off x="533400" y="1752600"/>
+            <a:ext cx="6516798" cy="4191000"/>
+          </a:xfrm>
+        </p:spPr>
         <p:txBody>
           <a:bodyPr>
             <a:normAutofit/>
@@ -9445,23 +9485,23 @@
           <a:lstStyle/>
           <a:p>
             <a:r>
-              <a:rPr lang="en-US" altLang="zh-CN" sz="2800" dirty="0" smtClean="0"/>
+              <a:rPr lang="en-US" altLang="zh-CN" sz="2101" dirty="0"/>
               <a:t>Focus more possible Factors from customers’ perspectives</a:t>
             </a:r>
           </a:p>
           <a:p>
             <a:r>
-              <a:rPr lang="en-US" sz="2800" dirty="0" smtClean="0"/>
+              <a:rPr lang="en-US" sz="2101" dirty="0"/>
               <a:t>Plot more graphs for </a:t>
             </a:r>
             <a:r>
-              <a:rPr lang="en-US" sz="2800" dirty="0" err="1" smtClean="0"/>
+              <a:rPr lang="en-US" sz="2101" dirty="0" err="1"/>
               <a:t>geographs</a:t>
             </a:r>
-            <a:endParaRPr lang="en-US" sz="2800" dirty="0" smtClean="0"/>
-          </a:p>
-          <a:p>
-            <a:endParaRPr lang="en-US" sz="2800" dirty="0"/>
+            <a:endParaRPr lang="en-US" sz="2101" dirty="0"/>
+          </a:p>
+          <a:p>
+            <a:endParaRPr lang="en-US" sz="2101" dirty="0"/>
           </a:p>
         </p:txBody>
       </p:sp>
@@ -9473,8 +9513,8 @@
         </p:nvSpPr>
         <p:spPr>
           <a:xfrm>
-            <a:off x="455612" y="1295400"/>
-            <a:ext cx="11233150" cy="360448"/>
+            <a:off x="341798" y="915316"/>
+            <a:ext cx="8427057" cy="270406"/>
           </a:xfrm>
           <a:prstGeom prst="rect">
             <a:avLst/>
@@ -9516,7 +9556,7 @@
           <a:bodyPr rtlCol="0" anchor="ctr"/>
           <a:lstStyle/>
           <a:p>
-            <a:endParaRPr lang="ko-KR" altLang="en-US" sz="1200" dirty="0"/>
+            <a:endParaRPr lang="ko-KR" altLang="en-US" sz="900" dirty="0"/>
           </a:p>
         </p:txBody>
       </p:sp>
@@ -9542,6 +9582,13 @@
       </p:transition>
     </mc:Fallback>
   </mc:AlternateContent>
+  <p:timing>
+    <p:tnLst>
+      <p:par>
+        <p:cTn id="1" dur="indefinite" restart="never" nodeType="tmRoot"/>
+      </p:par>
+    </p:tnLst>
+  </p:timing>
 </p:sld>
 </file>
 
@@ -9572,8 +9619,8 @@
         </p:nvSpPr>
         <p:spPr bwMode="auto">
           <a:xfrm>
-            <a:off x="6519243" y="1680339"/>
-            <a:ext cx="4539627" cy="555072"/>
+            <a:off x="4890707" y="2117163"/>
+            <a:ext cx="3405607" cy="406265"/>
           </a:xfrm>
           <a:prstGeom prst="rect">
             <a:avLst/>
@@ -9615,7 +9662,7 @@
               </a:lnSpc>
             </a:pPr>
             <a:r>
-              <a:rPr lang="en-US" altLang="ko-KR" sz="4399" dirty="0">
+              <a:rPr lang="en-US" altLang="ko-KR" sz="3300" dirty="0">
                 <a:effectLst/>
                 <a:latin typeface="Calibri" panose="020F0502020204030204" pitchFamily="34" charset="0"/>
               </a:rPr>
@@ -9634,8 +9681,8 @@
         </p:nvSpPr>
         <p:spPr bwMode="auto">
           <a:xfrm>
-            <a:off x="6543243" y="2542106"/>
-            <a:ext cx="4203196" cy="494495"/>
+            <a:off x="4908711" y="2763656"/>
+            <a:ext cx="3153218" cy="370968"/>
           </a:xfrm>
           <a:prstGeom prst="rect">
             <a:avLst/>
@@ -9644,7 +9691,7 @@
           <a:extLst/>
         </p:spPr>
         <p:txBody>
-          <a:bodyPr wrap="square" lIns="89977" tIns="46788" rIns="89977" bIns="46788">
+          <a:bodyPr wrap="square" lIns="67500" tIns="35100" rIns="67500" bIns="35100">
             <a:spAutoFit/>
           </a:bodyPr>
           <a:lstStyle>
@@ -9673,20 +9720,20 @@
           <a:p>
             <a:pPr algn="l" latinLnBrk="0"/>
             <a:r>
-              <a:rPr lang="en-US" altLang="ko-KR" sz="2599" dirty="0">
+              <a:rPr lang="en-US" altLang="ko-KR" sz="1950" dirty="0">
                 <a:effectLst/>
                 <a:latin typeface="Calibri" panose="020F0502020204030204" pitchFamily="34" charset="0"/>
               </a:rPr>
               <a:t>01. </a:t>
             </a:r>
             <a:r>
-              <a:rPr lang="en-US" altLang="zh-CN" sz="2599" dirty="0" smtClean="0">
+              <a:rPr lang="en-US" altLang="zh-CN" sz="1950" dirty="0">
                 <a:effectLst/>
                 <a:latin typeface="Calibri" panose="020F0502020204030204" pitchFamily="34" charset="0"/>
               </a:rPr>
               <a:t>Introduction</a:t>
             </a:r>
-            <a:endParaRPr lang="en-US" altLang="ko-KR" sz="2599" dirty="0">
+            <a:endParaRPr lang="en-US" altLang="ko-KR" sz="1950" dirty="0">
               <a:effectLst/>
               <a:latin typeface="Calibri" panose="020F0502020204030204" pitchFamily="34" charset="0"/>
             </a:endParaRPr>
@@ -9703,8 +9750,8 @@
         </p:nvSpPr>
         <p:spPr bwMode="auto">
           <a:xfrm>
-            <a:off x="6986166" y="2942785"/>
-            <a:ext cx="3752316" cy="1017435"/>
+            <a:off x="5240990" y="3064244"/>
+            <a:ext cx="2814970" cy="763383"/>
           </a:xfrm>
           <a:prstGeom prst="rect">
             <a:avLst/>
@@ -9713,7 +9760,7 @@
           <a:extLst/>
         </p:spPr>
         <p:txBody>
-          <a:bodyPr wrap="square" lIns="89977" tIns="46788" rIns="89977" bIns="46788">
+          <a:bodyPr wrap="square" lIns="67500" tIns="35100" rIns="67500" bIns="35100">
             <a:spAutoFit/>
           </a:bodyPr>
           <a:lstStyle>
@@ -9742,14 +9789,14 @@
           <a:p>
             <a:pPr algn="l" latinLnBrk="0"/>
             <a:r>
-              <a:rPr lang="en-US" altLang="ko-KR" sz="1999" b="0" dirty="0">
+              <a:rPr lang="en-US" altLang="ko-KR" sz="1500" b="0" dirty="0">
                 <a:effectLst/>
                 <a:latin typeface="Calibri" panose="020F0502020204030204" pitchFamily="34" charset="0"/>
               </a:rPr>
               <a:t>01-1</a:t>
             </a:r>
             <a:r>
-              <a:rPr lang="en-US" altLang="ko-KR" sz="1999" b="0" dirty="0" smtClean="0">
+              <a:rPr lang="en-US" altLang="ko-KR" sz="1500" b="0" dirty="0">
                 <a:effectLst/>
                 <a:latin typeface="Calibri" panose="020F0502020204030204" pitchFamily="34" charset="0"/>
               </a:rPr>
@@ -9759,7 +9806,7 @@
           <a:p>
             <a:pPr algn="l" latinLnBrk="0"/>
             <a:r>
-              <a:rPr lang="en-US" altLang="ko-KR" sz="1999" b="0" dirty="0" smtClean="0">
+              <a:rPr lang="en-US" altLang="ko-KR" sz="1500" b="0" dirty="0">
                 <a:effectLst/>
                 <a:latin typeface="Calibri" panose="020F0502020204030204" pitchFamily="34" charset="0"/>
               </a:rPr>
@@ -9769,13 +9816,13 @@
           <a:p>
             <a:pPr algn="l" latinLnBrk="0"/>
             <a:r>
-              <a:rPr lang="en-US" altLang="ko-KR" sz="1999" b="0" dirty="0" smtClean="0">
+              <a:rPr lang="en-US" altLang="ko-KR" sz="1500" b="0" dirty="0">
                 <a:effectLst/>
                 <a:latin typeface="Calibri" panose="020F0502020204030204" pitchFamily="34" charset="0"/>
               </a:rPr>
               <a:t>01-3. Davis Houses</a:t>
             </a:r>
-            <a:endParaRPr lang="en-US" altLang="ko-KR" sz="1999" b="0" dirty="0">
+            <a:endParaRPr lang="en-US" altLang="ko-KR" sz="1500" b="0" dirty="0">
               <a:effectLst/>
               <a:latin typeface="Calibri" panose="020F0502020204030204" pitchFamily="34" charset="0"/>
             </a:endParaRPr>
@@ -9792,8 +9839,8 @@
         </p:nvSpPr>
         <p:spPr bwMode="auto">
           <a:xfrm>
-            <a:off x="6499726" y="3884744"/>
-            <a:ext cx="4203196" cy="494495"/>
+            <a:off x="4876065" y="3770897"/>
+            <a:ext cx="3153218" cy="370968"/>
           </a:xfrm>
           <a:prstGeom prst="rect">
             <a:avLst/>
@@ -9802,7 +9849,7 @@
           <a:extLst/>
         </p:spPr>
         <p:txBody>
-          <a:bodyPr wrap="square" lIns="89977" tIns="46788" rIns="89977" bIns="46788">
+          <a:bodyPr wrap="square" lIns="67500" tIns="35100" rIns="67500" bIns="35100">
             <a:spAutoFit/>
           </a:bodyPr>
           <a:lstStyle>
@@ -9831,20 +9878,20 @@
           <a:p>
             <a:pPr algn="l" latinLnBrk="0"/>
             <a:r>
-              <a:rPr lang="en-US" altLang="ko-KR" sz="2599" dirty="0">
+              <a:rPr lang="en-US" altLang="ko-KR" sz="1950" dirty="0">
                 <a:effectLst/>
                 <a:latin typeface="Calibri" panose="020F0502020204030204" pitchFamily="34" charset="0"/>
               </a:rPr>
               <a:t>02. </a:t>
             </a:r>
             <a:r>
-              <a:rPr lang="en-US" altLang="ko-KR" sz="2599" dirty="0" smtClean="0">
+              <a:rPr lang="en-US" altLang="ko-KR" sz="1950" dirty="0">
                 <a:effectLst/>
                 <a:latin typeface="Calibri" panose="020F0502020204030204" pitchFamily="34" charset="0"/>
               </a:rPr>
               <a:t>Fitting Time Series Model</a:t>
             </a:r>
-            <a:endParaRPr lang="en-US" altLang="ko-KR" sz="2599" dirty="0">
+            <a:endParaRPr lang="en-US" altLang="ko-KR" sz="1950" dirty="0">
               <a:effectLst/>
               <a:latin typeface="Calibri" panose="020F0502020204030204" pitchFamily="34" charset="0"/>
             </a:endParaRPr>
@@ -9861,8 +9908,8 @@
         </p:nvSpPr>
         <p:spPr bwMode="auto">
           <a:xfrm>
-            <a:off x="6543243" y="4940604"/>
-            <a:ext cx="4203196" cy="494495"/>
+            <a:off x="4908711" y="4562998"/>
+            <a:ext cx="3153218" cy="370968"/>
           </a:xfrm>
           <a:prstGeom prst="rect">
             <a:avLst/>
@@ -9871,7 +9918,7 @@
           <a:extLst/>
         </p:spPr>
         <p:txBody>
-          <a:bodyPr wrap="square" lIns="89977" tIns="46788" rIns="89977" bIns="46788">
+          <a:bodyPr wrap="square" lIns="67500" tIns="35100" rIns="67500" bIns="35100">
             <a:spAutoFit/>
           </a:bodyPr>
           <a:lstStyle>
@@ -9900,20 +9947,20 @@
           <a:p>
             <a:pPr algn="l" latinLnBrk="0"/>
             <a:r>
-              <a:rPr lang="en-US" altLang="ko-KR" sz="2599" dirty="0">
+              <a:rPr lang="en-US" altLang="ko-KR" sz="1950" dirty="0">
                 <a:effectLst/>
                 <a:latin typeface="Calibri" panose="020F0502020204030204" pitchFamily="34" charset="0"/>
               </a:rPr>
               <a:t>03. </a:t>
             </a:r>
             <a:r>
-              <a:rPr lang="en-US" altLang="ko-KR" sz="2599" dirty="0" smtClean="0">
+              <a:rPr lang="en-US" altLang="ko-KR" sz="1950" dirty="0">
                 <a:effectLst/>
                 <a:latin typeface="Calibri" panose="020F0502020204030204" pitchFamily="34" charset="0"/>
               </a:rPr>
               <a:t>Influential Factors</a:t>
             </a:r>
-            <a:endParaRPr lang="en-US" altLang="ko-KR" sz="2599" dirty="0">
+            <a:endParaRPr lang="en-US" altLang="ko-KR" sz="1950" dirty="0">
               <a:effectLst/>
               <a:latin typeface="Calibri" panose="020F0502020204030204" pitchFamily="34" charset="0"/>
             </a:endParaRPr>
@@ -9930,8 +9977,8 @@
         </p:nvSpPr>
         <p:spPr bwMode="auto">
           <a:xfrm>
-            <a:off x="6986166" y="4276169"/>
-            <a:ext cx="3752316" cy="709882"/>
+            <a:off x="5240990" y="4064543"/>
+            <a:ext cx="2814970" cy="532550"/>
           </a:xfrm>
           <a:prstGeom prst="rect">
             <a:avLst/>
@@ -9940,7 +9987,7 @@
           <a:extLst/>
         </p:spPr>
         <p:txBody>
-          <a:bodyPr wrap="square" lIns="89977" tIns="46788" rIns="89977" bIns="46788">
+          <a:bodyPr wrap="square" lIns="67500" tIns="35100" rIns="67500" bIns="35100">
             <a:spAutoFit/>
           </a:bodyPr>
           <a:lstStyle>
@@ -9969,21 +10016,14 @@
           <a:p>
             <a:pPr algn="l"/>
             <a:r>
-              <a:rPr lang="en-US" altLang="ko-KR" sz="1999" b="0" dirty="0">
+              <a:rPr lang="en-US" altLang="ko-KR" sz="1500" b="0" dirty="0">
                 <a:effectLst/>
                 <a:latin typeface="Calibri" panose="020F0502020204030204" pitchFamily="34" charset="0"/>
               </a:rPr>
-              <a:t>02-1. </a:t>
-            </a:r>
-            <a:r>
-              <a:rPr lang="en-US" altLang="ko-KR" sz="1999" b="0" dirty="0">
-                <a:effectLst/>
-                <a:latin typeface="Calibri" panose="020F0502020204030204" pitchFamily="34" charset="0"/>
-              </a:rPr>
-              <a:t>Pricing D</a:t>
-            </a:r>
-            <a:r>
-              <a:rPr lang="en-US" altLang="ko-KR" sz="1999" b="0" dirty="0" smtClean="0">
+              <a:t>02-1. Pricing D</a:t>
+            </a:r>
+            <a:r>
+              <a:rPr lang="en-US" altLang="ko-KR" sz="1500" b="0" dirty="0">
                 <a:effectLst/>
                 <a:latin typeface="Calibri" panose="020F0502020204030204" pitchFamily="34" charset="0"/>
               </a:rPr>
@@ -9993,27 +10033,27 @@
           <a:p>
             <a:pPr algn="l"/>
             <a:r>
-              <a:rPr lang="en-US" altLang="ko-KR" sz="1999" b="0" dirty="0" smtClean="0">
+              <a:rPr lang="en-US" altLang="ko-KR" sz="1500" b="0" dirty="0">
                 <a:effectLst/>
                 <a:latin typeface="Calibri" panose="020F0502020204030204" pitchFamily="34" charset="0"/>
               </a:rPr>
               <a:t>02-2</a:t>
             </a:r>
             <a:r>
-              <a:rPr lang="en-US" altLang="ko-KR" sz="1999" b="0" dirty="0">
+              <a:rPr lang="en-US" altLang="ko-KR" sz="1500" b="0" dirty="0">
                 <a:effectLst/>
                 <a:latin typeface="Calibri" panose="020F0502020204030204" pitchFamily="34" charset="0"/>
               </a:rPr>
               <a:t>. </a:t>
             </a:r>
             <a:r>
-              <a:rPr lang="en-US" altLang="ko-KR" sz="1999" b="0" dirty="0" smtClean="0">
+              <a:rPr lang="en-US" altLang="ko-KR" sz="1500" b="0" dirty="0">
                 <a:effectLst/>
                 <a:latin typeface="Calibri" panose="020F0502020204030204" pitchFamily="34" charset="0"/>
               </a:rPr>
               <a:t>Predict Price in 2017</a:t>
             </a:r>
-            <a:endParaRPr lang="en-US" altLang="ko-KR" sz="1999" b="0" dirty="0">
+            <a:endParaRPr lang="en-US" altLang="ko-KR" sz="1500" b="0" dirty="0">
               <a:effectLst/>
               <a:latin typeface="Calibri" panose="020F0502020204030204" pitchFamily="34" charset="0"/>
             </a:endParaRPr>
@@ -10030,8 +10070,8 @@
         </p:nvSpPr>
         <p:spPr bwMode="auto">
           <a:xfrm>
-            <a:off x="6986166" y="5326276"/>
-            <a:ext cx="3752316" cy="709786"/>
+            <a:off x="5240990" y="4852328"/>
+            <a:ext cx="2814970" cy="532550"/>
           </a:xfrm>
           <a:prstGeom prst="rect">
             <a:avLst/>
@@ -10040,7 +10080,7 @@
           <a:extLst/>
         </p:spPr>
         <p:txBody>
-          <a:bodyPr wrap="square" lIns="89977" tIns="46788" rIns="89977" bIns="46788">
+          <a:bodyPr wrap="square" lIns="67500" tIns="35100" rIns="67500" bIns="35100">
             <a:spAutoFit/>
           </a:bodyPr>
           <a:lstStyle>
@@ -10069,14 +10109,14 @@
           <a:p>
             <a:pPr algn="l" latinLnBrk="0"/>
             <a:r>
-              <a:rPr lang="en-US" altLang="ko-KR" sz="1999" b="0" dirty="0">
+              <a:rPr lang="en-US" altLang="ko-KR" sz="1500" b="0" dirty="0">
                 <a:effectLst/>
                 <a:latin typeface="Calibri" panose="020F0502020204030204" pitchFamily="34" charset="0"/>
               </a:rPr>
               <a:t>03-1. </a:t>
             </a:r>
             <a:r>
-              <a:rPr lang="en-US" altLang="ko-KR" sz="1999" b="0" dirty="0" smtClean="0">
+              <a:rPr lang="en-US" altLang="ko-KR" sz="1500" b="0" dirty="0">
                 <a:effectLst/>
                 <a:latin typeface="Calibri" panose="020F0502020204030204" pitchFamily="34" charset="0"/>
               </a:rPr>
@@ -10086,14 +10126,14 @@
           <a:p>
             <a:pPr algn="l" latinLnBrk="0"/>
             <a:r>
-              <a:rPr lang="en-US" altLang="ko-KR" sz="1999" b="0" dirty="0" smtClean="0">
+              <a:rPr lang="en-US" altLang="ko-KR" sz="1500" b="0" dirty="0">
                 <a:effectLst/>
                 <a:latin typeface="Calibri" panose="020F0502020204030204" pitchFamily="34" charset="0"/>
               </a:rPr>
               <a:t>03-2</a:t>
             </a:r>
             <a:r>
-              <a:rPr lang="en-US" altLang="ko-KR" sz="1999" b="0" dirty="0">
+              <a:rPr lang="en-US" altLang="ko-KR" sz="1500" b="0" dirty="0">
                 <a:effectLst/>
                 <a:latin typeface="Calibri" panose="020F0502020204030204" pitchFamily="34" charset="0"/>
               </a:rPr>
@@ -10112,8 +10152,8 @@
         </p:nvSpPr>
         <p:spPr bwMode="auto">
           <a:xfrm>
-            <a:off x="6550620" y="5940846"/>
-            <a:ext cx="4203196" cy="494495"/>
+            <a:off x="4914245" y="5313375"/>
+            <a:ext cx="3153218" cy="370968"/>
           </a:xfrm>
           <a:prstGeom prst="rect">
             <a:avLst/>
@@ -10122,7 +10162,7 @@
           <a:extLst/>
         </p:spPr>
         <p:txBody>
-          <a:bodyPr wrap="square" lIns="89977" tIns="46788" rIns="89977" bIns="46788">
+          <a:bodyPr wrap="square" lIns="67500" tIns="35100" rIns="67500" bIns="35100">
             <a:spAutoFit/>
           </a:bodyPr>
           <a:lstStyle>
@@ -10151,13 +10191,13 @@
           <a:p>
             <a:pPr algn="l" latinLnBrk="0"/>
             <a:r>
-              <a:rPr lang="en-US" altLang="ko-KR" sz="2599" dirty="0" smtClean="0">
+              <a:rPr lang="en-US" altLang="ko-KR" sz="1950" dirty="0">
                 <a:effectLst/>
                 <a:latin typeface="Calibri" panose="020F0502020204030204" pitchFamily="34" charset="0"/>
               </a:rPr>
               <a:t>04. Future Strategy</a:t>
             </a:r>
-            <a:endParaRPr lang="en-US" altLang="ko-KR" sz="2599" dirty="0">
+            <a:endParaRPr lang="en-US" altLang="ko-KR" sz="1950" dirty="0">
               <a:effectLst/>
               <a:latin typeface="Calibri" panose="020F0502020204030204" pitchFamily="34" charset="0"/>
             </a:endParaRPr>
@@ -10213,8 +10253,8 @@
         </p:nvSpPr>
         <p:spPr>
           <a:xfrm>
-            <a:off x="531812" y="106325"/>
-            <a:ext cx="8686801" cy="1066800"/>
+            <a:off x="419400" y="220057"/>
+            <a:ext cx="6516798" cy="800308"/>
           </a:xfrm>
         </p:spPr>
         <p:txBody>
@@ -10224,7 +10264,7 @@
           <a:lstStyle/>
           <a:p>
             <a:r>
-              <a:rPr lang="en-US" sz="4400" dirty="0">
+              <a:rPr lang="en-US" sz="3301" dirty="0">
                 <a:solidFill>
                   <a:schemeClr val="tx1"/>
                 </a:solidFill>
@@ -10244,8 +10284,8 @@
         </p:nvSpPr>
         <p:spPr>
           <a:xfrm>
-            <a:off x="591470" y="1219200"/>
-            <a:ext cx="11233150" cy="360448"/>
+            <a:off x="430286" y="1053022"/>
+            <a:ext cx="8427057" cy="270406"/>
           </a:xfrm>
           <a:prstGeom prst="rect">
             <a:avLst/>
@@ -10285,10 +10325,10 @@
           <a:lstStyle/>
           <a:p>
             <a:r>
-              <a:rPr lang="en-US" altLang="ko-KR" sz="1200" dirty="0"/>
+              <a:rPr lang="en-US" altLang="ko-KR" sz="900" dirty="0"/>
               <a:t>Housing Price from 2011-2016</a:t>
             </a:r>
-            <a:endParaRPr lang="ko-KR" altLang="en-US" sz="1200" dirty="0"/>
+            <a:endParaRPr lang="ko-KR" altLang="en-US" sz="900" dirty="0"/>
           </a:p>
         </p:txBody>
       </p:sp>
@@ -10316,8 +10356,8 @@
         </p:blipFill>
         <p:spPr>
           <a:xfrm>
-            <a:off x="573565" y="2514600"/>
-            <a:ext cx="10397647" cy="3124200"/>
+            <a:off x="430286" y="2743022"/>
+            <a:ext cx="7800267" cy="2343760"/>
           </a:xfrm>
           <a:prstGeom prst="rect">
             <a:avLst/>
@@ -10378,8 +10418,8 @@
         </p:nvSpPr>
         <p:spPr>
           <a:xfrm>
-            <a:off x="379412" y="0"/>
-            <a:ext cx="8686801" cy="1066800"/>
+            <a:off x="341798" y="304800"/>
+            <a:ext cx="6516798" cy="800308"/>
           </a:xfrm>
         </p:spPr>
         <p:txBody>
@@ -10389,7 +10429,7 @@
           <a:lstStyle/>
           <a:p>
             <a:r>
-              <a:rPr lang="en-US" sz="4400" dirty="0">
+              <a:rPr lang="en-US" sz="3301" dirty="0">
                 <a:solidFill>
                   <a:schemeClr val="tx1"/>
                 </a:solidFill>
@@ -10409,8 +10449,8 @@
         </p:nvSpPr>
         <p:spPr>
           <a:xfrm>
-            <a:off x="455612" y="1143000"/>
-            <a:ext cx="11233150" cy="360448"/>
+            <a:off x="396093" y="1105108"/>
+            <a:ext cx="8427057" cy="270406"/>
           </a:xfrm>
           <a:prstGeom prst="rect">
             <a:avLst/>
@@ -10450,14 +10490,14 @@
           <a:lstStyle/>
           <a:p>
             <a:r>
-              <a:rPr lang="en-US" altLang="ko-KR" sz="1200" dirty="0">
+              <a:rPr lang="en-US" altLang="ko-KR" sz="900" dirty="0">
                 <a:solidFill>
                   <a:srgbClr val="FFFF00"/>
                 </a:solidFill>
               </a:rPr>
               <a:t>2015</a:t>
             </a:r>
-            <a:endParaRPr lang="ko-KR" altLang="en-US" sz="1200" dirty="0">
+            <a:endParaRPr lang="ko-KR" altLang="en-US" sz="900" dirty="0">
               <a:solidFill>
                 <a:srgbClr val="FFFF00"/>
               </a:solidFill>
@@ -10475,7 +10515,7 @@
             <p:ph idx="1"/>
           </p:nvPr>
         </p:nvPicPr>
-        <p:blipFill>
+        <p:blipFill rotWithShape="1">
           <a:blip r:embed="rId2">
             <a:extLst>
               <a:ext uri="{28A0092B-C50C-407E-A947-70E740481C1C}">
@@ -10483,14 +10523,13 @@
               </a:ext>
             </a:extLst>
           </a:blip>
-          <a:stretch>
-            <a:fillRect/>
-          </a:stretch>
+          <a:srcRect l="6877" r="8007" b="16001"/>
+          <a:stretch/>
         </p:blipFill>
         <p:spPr>
           <a:xfrm>
-            <a:off x="1217612" y="1676400"/>
-            <a:ext cx="7543800" cy="4685058"/>
+            <a:off x="533400" y="1524000"/>
+            <a:ext cx="7956883" cy="4876799"/>
           </a:xfrm>
           <a:prstGeom prst="rect">
             <a:avLst/>
@@ -10519,6 +10558,13 @@
       </p:transition>
     </mc:Fallback>
   </mc:AlternateContent>
+  <p:timing>
+    <p:tnLst>
+      <p:par>
+        <p:cTn id="1" dur="indefinite" restart="never" nodeType="tmRoot"/>
+      </p:par>
+    </p:tnLst>
+  </p:timing>
 </p:sld>
 </file>
 
@@ -10559,8 +10605,8 @@
         </p:nvSpPr>
         <p:spPr>
           <a:xfrm>
-            <a:off x="303210" y="106363"/>
-            <a:ext cx="8686801" cy="1066800"/>
+            <a:off x="297734" y="180888"/>
+            <a:ext cx="6516798" cy="800308"/>
           </a:xfrm>
         </p:spPr>
         <p:txBody>
@@ -10570,7 +10616,7 @@
           <a:lstStyle/>
           <a:p>
             <a:r>
-              <a:rPr lang="en-US" sz="4400" dirty="0">
+              <a:rPr lang="en-US" sz="3301" dirty="0">
                 <a:solidFill>
                   <a:schemeClr val="tx1"/>
                 </a:solidFill>
@@ -10580,7 +10626,7 @@
               <a:t> D</a:t>
             </a:r>
             <a:r>
-              <a:rPr lang="en-US" altLang="zh-CN" sz="4400" dirty="0">
+              <a:rPr lang="en-US" altLang="zh-CN" sz="3301" dirty="0">
                 <a:solidFill>
                   <a:schemeClr val="tx1"/>
                 </a:solidFill>
@@ -10589,7 +10635,7 @@
               </a:rPr>
               <a:t>avis Home Price Growth Trend</a:t>
             </a:r>
-            <a:endParaRPr lang="en-US" sz="4400" dirty="0">
+            <a:endParaRPr lang="en-US" sz="3301" dirty="0">
               <a:solidFill>
                 <a:schemeClr val="tx1"/>
               </a:solidFill>
@@ -10607,8 +10653,8 @@
         </p:nvSpPr>
         <p:spPr>
           <a:xfrm>
-            <a:off x="531812" y="1211928"/>
-            <a:ext cx="11233150" cy="360448"/>
+            <a:off x="457200" y="981196"/>
+            <a:ext cx="8427057" cy="270406"/>
           </a:xfrm>
           <a:prstGeom prst="rect">
             <a:avLst/>
@@ -10648,10 +10694,10 @@
           <a:lstStyle/>
           <a:p>
             <a:r>
-              <a:rPr lang="en-US" altLang="ko-KR" sz="1200" dirty="0"/>
+              <a:rPr lang="en-US" altLang="ko-KR" sz="900" dirty="0"/>
               <a:t>2008-2018</a:t>
             </a:r>
-            <a:endParaRPr lang="ko-KR" altLang="en-US" sz="1200" dirty="0"/>
+            <a:endParaRPr lang="ko-KR" altLang="en-US" sz="900" dirty="0"/>
           </a:p>
         </p:txBody>
       </p:sp>
@@ -10677,8 +10723,8 @@
         </p:blipFill>
         <p:spPr>
           <a:xfrm>
-            <a:off x="396874" y="2133600"/>
-            <a:ext cx="8499475" cy="4525962"/>
+            <a:off x="297734" y="1676400"/>
+            <a:ext cx="7011844" cy="3733800"/>
           </a:xfrm>
           <a:prstGeom prst="rect">
             <a:avLst/>
@@ -10706,8 +10752,8 @@
         </p:blipFill>
         <p:spPr>
           <a:xfrm>
-            <a:off x="8445593" y="2895600"/>
-            <a:ext cx="3746406" cy="3962399"/>
+            <a:off x="6322578" y="3885427"/>
+            <a:ext cx="2810536" cy="2972573"/>
           </a:xfrm>
           <a:prstGeom prst="rect">
             <a:avLst/>
@@ -10736,6 +10782,13 @@
       </p:transition>
     </mc:Fallback>
   </mc:AlternateContent>
+  <p:timing>
+    <p:tnLst>
+      <p:par>
+        <p:cTn id="1" dur="indefinite" restart="never" nodeType="tmRoot"/>
+      </p:par>
+    </p:tnLst>
+  </p:timing>
 </p:sld>
 </file>
 
@@ -10768,8 +10821,8 @@
         </p:nvSpPr>
         <p:spPr>
           <a:xfrm>
-            <a:off x="531812" y="76200"/>
-            <a:ext cx="9525000" cy="1066800"/>
+            <a:off x="456128" y="152400"/>
+            <a:ext cx="7145611" cy="800308"/>
           </a:xfrm>
         </p:spPr>
         <p:txBody>
@@ -10779,7 +10832,7 @@
           <a:lstStyle/>
           <a:p>
             <a:r>
-              <a:rPr lang="en-US" sz="4400" dirty="0" smtClean="0">
+              <a:rPr lang="en-US" sz="3301" dirty="0">
                 <a:solidFill>
                   <a:schemeClr val="tx1"/>
                 </a:solidFill>
@@ -10789,7 +10842,7 @@
               <a:t>Diagnose </a:t>
             </a:r>
             <a:r>
-              <a:rPr lang="en-US" sz="4400" dirty="0">
+              <a:rPr lang="en-US" sz="3301" dirty="0">
                 <a:solidFill>
                   <a:schemeClr val="tx1"/>
                 </a:solidFill>
@@ -10823,8 +10876,8 @@
         </p:blipFill>
         <p:spPr>
           <a:xfrm>
-            <a:off x="1446212" y="1354052"/>
-            <a:ext cx="8382000" cy="5046748"/>
+            <a:off x="456128" y="1493779"/>
+            <a:ext cx="8149932" cy="4907021"/>
           </a:xfrm>
           <a:prstGeom prst="rect">
             <a:avLst/>
@@ -10839,8 +10892,8 @@
         </p:nvSpPr>
         <p:spPr>
           <a:xfrm>
-            <a:off x="608012" y="1173828"/>
-            <a:ext cx="11233150" cy="360448"/>
+            <a:off x="456128" y="1006937"/>
+            <a:ext cx="8427057" cy="270406"/>
           </a:xfrm>
           <a:prstGeom prst="rect">
             <a:avLst/>
@@ -10880,21 +10933,21 @@
           <a:lstStyle/>
           <a:p>
             <a:r>
-              <a:rPr lang="en-US" altLang="ko-KR" sz="1200" dirty="0">
+              <a:rPr lang="en-US" altLang="ko-KR" sz="900" dirty="0">
                 <a:solidFill>
                   <a:schemeClr val="bg1"/>
                 </a:solidFill>
               </a:rPr>
               <a:t>Diagnostic Of Housing Price of 2016</a:t>
             </a:r>
-            <a:endParaRPr lang="ko-KR" altLang="en-US" sz="1200" dirty="0">
+            <a:endParaRPr lang="ko-KR" altLang="en-US" sz="900" dirty="0">
               <a:solidFill>
                 <a:schemeClr val="bg1"/>
               </a:solidFill>
             </a:endParaRPr>
           </a:p>
           <a:p>
-            <a:endParaRPr lang="ko-KR" altLang="en-US" sz="1200" dirty="0">
+            <a:endParaRPr lang="ko-KR" altLang="en-US" sz="900" dirty="0">
               <a:solidFill>
                 <a:schemeClr val="bg1"/>
               </a:solidFill>
@@ -10924,6 +10977,13 @@
       </p:transition>
     </mc:Fallback>
   </mc:AlternateContent>
+  <p:timing>
+    <p:tnLst>
+      <p:par>
+        <p:cTn id="1" dur="indefinite" restart="never" nodeType="tmRoot"/>
+      </p:par>
+    </p:tnLst>
+  </p:timing>
 </p:sld>
 </file>
 
@@ -10956,8 +11016,8 @@
         </p:nvSpPr>
         <p:spPr>
           <a:xfrm>
-            <a:off x="455612" y="20552"/>
-            <a:ext cx="8686801" cy="1066800"/>
+            <a:off x="377192" y="223668"/>
+            <a:ext cx="6516798" cy="800308"/>
           </a:xfrm>
         </p:spPr>
         <p:txBody>
@@ -10967,7 +11027,7 @@
           <a:lstStyle/>
           <a:p>
             <a:r>
-              <a:rPr lang="en-US" sz="4400" dirty="0">
+              <a:rPr lang="en-US" sz="3301" dirty="0">
                 <a:solidFill>
                   <a:schemeClr val="tx1"/>
                 </a:solidFill>
@@ -10987,8 +11047,8 @@
         </p:nvSpPr>
         <p:spPr>
           <a:xfrm>
-            <a:off x="531812" y="1087352"/>
-            <a:ext cx="11233150" cy="360448"/>
+            <a:off x="366306" y="1023976"/>
+            <a:ext cx="8427057" cy="270406"/>
           </a:xfrm>
           <a:prstGeom prst="rect">
             <a:avLst/>
@@ -11031,10 +11091,10 @@
           <a:lstStyle/>
           <a:p>
             <a:r>
-              <a:rPr lang="en-US" altLang="ko-KR" sz="1200" dirty="0"/>
+              <a:rPr lang="en-US" altLang="ko-KR" sz="900" dirty="0"/>
               <a:t>2017</a:t>
             </a:r>
-            <a:endParaRPr lang="ko-KR" altLang="en-US" sz="1200" dirty="0"/>
+            <a:endParaRPr lang="ko-KR" altLang="en-US" sz="900" dirty="0"/>
           </a:p>
         </p:txBody>
       </p:sp>
@@ -11062,8 +11122,8 @@
         </p:blipFill>
         <p:spPr>
           <a:xfrm>
-            <a:off x="1751012" y="1676400"/>
-            <a:ext cx="7772400" cy="4749622"/>
+            <a:off x="472466" y="1600199"/>
+            <a:ext cx="7452334" cy="4554033"/>
           </a:xfrm>
         </p:spPr>
       </p:pic>
@@ -11089,6 +11149,13 @@
       </p:transition>
     </mc:Fallback>
   </mc:AlternateContent>
+  <p:timing>
+    <p:tnLst>
+      <p:par>
+        <p:cTn id="1" dur="indefinite" restart="never" nodeType="tmRoot"/>
+      </p:par>
+    </p:tnLst>
+  </p:timing>
 </p:sld>
 </file>
 
@@ -11121,8 +11188,8 @@
         </p:nvSpPr>
         <p:spPr>
           <a:xfrm>
-            <a:off x="379412" y="10103"/>
-            <a:ext cx="8686801" cy="1066800"/>
+            <a:off x="358472" y="228600"/>
+            <a:ext cx="6516798" cy="800308"/>
           </a:xfrm>
         </p:spPr>
         <p:txBody>
@@ -11132,7 +11199,7 @@
           <a:lstStyle/>
           <a:p>
             <a:r>
-              <a:rPr lang="en-US" sz="4400" dirty="0" smtClean="0">
+              <a:rPr lang="en-US" sz="3301" dirty="0">
                 <a:solidFill>
                   <a:schemeClr val="tx1"/>
                 </a:solidFill>
@@ -11142,7 +11209,7 @@
               <a:t> Large </a:t>
             </a:r>
             <a:r>
-              <a:rPr lang="en-US" sz="4400" dirty="0">
+              <a:rPr lang="en-US" sz="3301" dirty="0">
                 <a:solidFill>
                   <a:schemeClr val="tx1"/>
                 </a:solidFill>
@@ -11178,8 +11245,8 @@
         </p:blipFill>
         <p:spPr>
           <a:xfrm>
-            <a:off x="1370012" y="1676399"/>
-            <a:ext cx="7848600" cy="4451533"/>
+            <a:off x="390219" y="1752601"/>
+            <a:ext cx="7915581" cy="4489522"/>
           </a:xfrm>
         </p:spPr>
       </p:pic>
@@ -11191,8 +11258,8 @@
         </p:nvSpPr>
         <p:spPr>
           <a:xfrm>
-            <a:off x="477838" y="1094888"/>
-            <a:ext cx="11233150" cy="360448"/>
+            <a:off x="391129" y="1165948"/>
+            <a:ext cx="8427057" cy="270406"/>
           </a:xfrm>
           <a:prstGeom prst="rect">
             <a:avLst/>
@@ -11232,14 +11299,14 @@
           <a:lstStyle/>
           <a:p>
             <a:r>
-              <a:rPr lang="en-US" altLang="ko-KR" sz="1200" dirty="0" smtClean="0">
+              <a:rPr lang="en-US" altLang="ko-KR" sz="900" dirty="0">
                 <a:solidFill>
                   <a:srgbClr val="FFFF00"/>
                 </a:solidFill>
               </a:rPr>
               <a:t>2016</a:t>
             </a:r>
-            <a:endParaRPr lang="ko-KR" altLang="en-US" sz="1200" dirty="0">
+            <a:endParaRPr lang="ko-KR" altLang="en-US" sz="900" dirty="0">
               <a:solidFill>
                 <a:srgbClr val="FFFF00"/>
               </a:solidFill>
@@ -11269,6 +11336,13 @@
       </p:transition>
     </mc:Fallback>
   </mc:AlternateContent>
+  <p:timing>
+    <p:tnLst>
+      <p:par>
+        <p:cTn id="1" dur="indefinite" restart="never" nodeType="tmRoot"/>
+      </p:par>
+    </p:tnLst>
+  </p:timing>
 </p:sld>
 </file>
 
@@ -11301,8 +11375,8 @@
         </p:nvSpPr>
         <p:spPr>
           <a:xfrm>
-            <a:off x="836612" y="228600"/>
-            <a:ext cx="8686801" cy="1066800"/>
+            <a:off x="352684" y="228600"/>
+            <a:ext cx="6516798" cy="800308"/>
           </a:xfrm>
         </p:spPr>
         <p:txBody>
@@ -11312,7 +11386,7 @@
           <a:lstStyle/>
           <a:p>
             <a:r>
-              <a:rPr lang="en-US" sz="4400" dirty="0" smtClean="0">
+              <a:rPr lang="en-US" sz="3301" dirty="0">
                 <a:solidFill>
                   <a:schemeClr val="tx1"/>
                 </a:solidFill>
@@ -11322,7 +11396,7 @@
               </a:rPr>
               <a:t>Predict housing price for large cities</a:t>
             </a:r>
-            <a:endParaRPr lang="en-US" sz="4400" dirty="0">
+            <a:endParaRPr lang="en-US" sz="3301" dirty="0">
               <a:solidFill>
                 <a:schemeClr val="tx1"/>
               </a:solidFill>
@@ -11341,8 +11415,8 @@
         </p:nvSpPr>
         <p:spPr>
           <a:xfrm>
-            <a:off x="455612" y="1354982"/>
-            <a:ext cx="11233150" cy="360448"/>
+            <a:off x="374455" y="1143000"/>
+            <a:ext cx="8427057" cy="270406"/>
           </a:xfrm>
           <a:prstGeom prst="rect">
             <a:avLst/>
@@ -11382,14 +11456,14 @@
           <a:lstStyle/>
           <a:p>
             <a:r>
-              <a:rPr lang="en-US" altLang="ko-KR" sz="1200" dirty="0" smtClean="0">
+              <a:rPr lang="en-US" altLang="ko-KR" sz="900" dirty="0">
                 <a:solidFill>
                   <a:srgbClr val="FFFF00"/>
                 </a:solidFill>
               </a:rPr>
               <a:t>Forecast</a:t>
             </a:r>
-            <a:endParaRPr lang="ko-KR" altLang="en-US" sz="1200" dirty="0">
+            <a:endParaRPr lang="ko-KR" altLang="en-US" sz="900" dirty="0">
               <a:solidFill>
                 <a:srgbClr val="FFFF00"/>
               </a:solidFill>
@@ -11419,8 +11493,8 @@
         </p:blipFill>
         <p:spPr>
           <a:xfrm>
-            <a:off x="1522412" y="2060672"/>
-            <a:ext cx="8153400" cy="4416328"/>
+            <a:off x="457200" y="1905000"/>
+            <a:ext cx="7777351" cy="4212639"/>
           </a:xfrm>
           <a:prstGeom prst="rect">
             <a:avLst/>
@@ -11449,6 +11523,13 @@
       </p:transition>
     </mc:Fallback>
   </mc:AlternateContent>
+  <p:timing>
+    <p:tnLst>
+      <p:par>
+        <p:cTn id="1" dur="indefinite" restart="never" nodeType="tmRoot"/>
+      </p:par>
+    </p:tnLst>
+  </p:timing>
 </p:sld>
 </file>
 

--- a/revised ppt.pptx
+++ b/revised ppt.pptx
@@ -8872,25 +8872,8 @@
                 <a:latin typeface="Calibri" panose="020F0502020204030204" pitchFamily="34" charset="0"/>
                 <a:cs typeface="Calibri" panose="020F0502020204030204" pitchFamily="34" charset="0"/>
               </a:rPr>
-              <a:t>Population </a:t>
-            </a:r>
-            <a:r>
-              <a:rPr lang="en-US" sz="3301" dirty="0">
-                <a:solidFill>
-                  <a:schemeClr val="tx1"/>
-                </a:solidFill>
-                <a:latin typeface="Calibri" panose="020F0502020204030204" pitchFamily="34" charset="0"/>
-                <a:cs typeface="Calibri" panose="020F0502020204030204" pitchFamily="34" charset="0"/>
-              </a:rPr>
-              <a:t>Density</a:t>
-            </a:r>
-            <a:endParaRPr lang="en-US" sz="3301" dirty="0">
-              <a:solidFill>
-                <a:schemeClr val="tx1"/>
-              </a:solidFill>
-              <a:latin typeface="Calibri" panose="020F0502020204030204" pitchFamily="34" charset="0"/>
-              <a:cs typeface="Calibri" panose="020F0502020204030204" pitchFamily="34" charset="0"/>
-            </a:endParaRPr>
+              <a:t>Population Density</a:t>
+            </a:r>
           </a:p>
         </p:txBody>
       </p:sp>
@@ -9054,13 +9037,6 @@
               </a:rPr>
               <a:t>Income</a:t>
             </a:r>
-            <a:endParaRPr lang="en-US" sz="3301" dirty="0">
-              <a:solidFill>
-                <a:schemeClr val="tx1"/>
-              </a:solidFill>
-              <a:latin typeface="Calibri" panose="020F0502020204030204" pitchFamily="34" charset="0"/>
-              <a:cs typeface="Calibri" panose="020F0502020204030204" pitchFamily="34" charset="0"/>
-            </a:endParaRPr>
           </a:p>
         </p:txBody>
       </p:sp>
@@ -9215,7 +9191,7 @@
           <a:lstStyle/>
           <a:p>
             <a:r>
-              <a:rPr lang="en-US" sz="3301" dirty="0">
+              <a:rPr lang="en-US" sz="3301" dirty="0" smtClean="0">
                 <a:solidFill>
                   <a:schemeClr val="tx1"/>
                 </a:solidFill>
@@ -9223,62 +9199,7 @@
                 <a:ea typeface="Calibri" charset="0"/>
                 <a:cs typeface="Calibri" charset="0"/>
               </a:rPr>
-              <a:t>Supply</a:t>
-            </a:r>
-            <a:r>
-              <a:rPr lang="en-US" sz="3301" b="0" dirty="0">
-                <a:solidFill>
-                  <a:schemeClr val="tx1"/>
-                </a:solidFill>
-                <a:latin typeface="Calibri" charset="0"/>
-                <a:ea typeface="Calibri" charset="0"/>
-                <a:cs typeface="Calibri" charset="0"/>
-              </a:rPr>
-              <a:t>-</a:t>
-            </a:r>
-            <a:r>
-              <a:rPr lang="en-US" sz="3301" dirty="0">
-                <a:solidFill>
-                  <a:schemeClr val="tx1"/>
-                </a:solidFill>
-                <a:latin typeface="Calibri" charset="0"/>
-                <a:ea typeface="Calibri" charset="0"/>
-                <a:cs typeface="Calibri" charset="0"/>
-              </a:rPr>
-              <a:t>D</a:t>
-            </a:r>
-            <a:r>
-              <a:rPr lang="en-US" sz="3301" dirty="0">
-                <a:solidFill>
-                  <a:schemeClr val="tx1"/>
-                </a:solidFill>
-                <a:latin typeface="Calibri" charset="0"/>
-                <a:ea typeface="Calibri" charset="0"/>
-                <a:cs typeface="Calibri" charset="0"/>
-              </a:rPr>
-              <a:t>emand </a:t>
-            </a:r>
-            <a:r>
-              <a:rPr lang="en-US" sz="3301" dirty="0">
-                <a:solidFill>
-                  <a:schemeClr val="tx1"/>
-                </a:solidFill>
-                <a:latin typeface="Calibri" charset="0"/>
-                <a:ea typeface="Calibri" charset="0"/>
-                <a:cs typeface="Calibri" charset="0"/>
-              </a:rPr>
-              <a:t>R</a:t>
-            </a:r>
-            <a:r>
-              <a:rPr lang="en-US" sz="3301" dirty="0">
-                <a:solidFill>
-                  <a:schemeClr val="tx1"/>
-                </a:solidFill>
-                <a:latin typeface="Calibri" charset="0"/>
-                <a:ea typeface="Calibri" charset="0"/>
-                <a:cs typeface="Calibri" charset="0"/>
-              </a:rPr>
-              <a:t>atio</a:t>
+              <a:t>Housing Unit </a:t>
             </a:r>
             <a:endParaRPr lang="en-US" sz="3301" dirty="0">
               <a:solidFill>
@@ -9291,25 +9212,35 @@
           </a:p>
         </p:txBody>
       </p:sp>
-      <p:sp>
-        <p:nvSpPr>
-          <p:cNvPr id="3" name="Content Placeholder 2"/>
-          <p:cNvSpPr>
-            <a:spLocks noGrp="1"/>
-          </p:cNvSpPr>
+      <p:pic>
+        <p:nvPicPr>
+          <p:cNvPr id="5" name="内容占位符 4"/>
+          <p:cNvPicPr>
+            <a:picLocks noGrp="1" noChangeAspect="1"/>
+          </p:cNvPicPr>
           <p:nvPr>
             <p:ph idx="1"/>
           </p:nvPr>
-        </p:nvSpPr>
-        <p:spPr/>
-        <p:txBody>
-          <a:bodyPr/>
-          <a:lstStyle/>
-          <a:p>
-            <a:endParaRPr lang="en-US" dirty="0"/>
-          </a:p>
-        </p:txBody>
-      </p:sp>
+        </p:nvPicPr>
+        <p:blipFill>
+          <a:blip r:embed="rId2">
+            <a:extLst>
+              <a:ext uri="{28A0092B-C50C-407E-A947-70E740481C1C}">
+                <a14:useLocalDpi xmlns:a14="http://schemas.microsoft.com/office/drawing/2010/main" val="0"/>
+              </a:ext>
+            </a:extLst>
+          </a:blip>
+          <a:stretch>
+            <a:fillRect/>
+          </a:stretch>
+        </p:blipFill>
+        <p:spPr>
+          <a:xfrm>
+            <a:off x="446314" y="1428854"/>
+            <a:ext cx="8195487" cy="4754231"/>
+          </a:xfrm>
+        </p:spPr>
+      </p:pic>
       <p:sp>
         <p:nvSpPr>
           <p:cNvPr id="4" name="Rectangle 3"/>
@@ -9451,14 +9382,6 @@
               </a:rPr>
               <a:t>Future Strategy</a:t>
             </a:r>
-            <a:endParaRPr lang="en-US" sz="3301" dirty="0">
-              <a:solidFill>
-                <a:schemeClr val="tx1"/>
-              </a:solidFill>
-              <a:latin typeface="Calibri" charset="0"/>
-              <a:ea typeface="Calibri" charset="0"/>
-              <a:cs typeface="Calibri" charset="0"/>
-            </a:endParaRPr>
           </a:p>
         </p:txBody>
       </p:sp>
@@ -9793,14 +9716,7 @@
                 <a:effectLst/>
                 <a:latin typeface="Calibri" panose="020F0502020204030204" pitchFamily="34" charset="0"/>
               </a:rPr>
-              <a:t>01-1</a:t>
-            </a:r>
-            <a:r>
-              <a:rPr lang="en-US" altLang="ko-KR" sz="1500" b="0" dirty="0">
-                <a:effectLst/>
-                <a:latin typeface="Calibri" panose="020F0502020204030204" pitchFamily="34" charset="0"/>
-              </a:rPr>
-              <a:t>. Google Trend</a:t>
+              <a:t>01-1. Google Trend</a:t>
             </a:r>
           </a:p>
           <a:p>
@@ -9822,10 +9738,6 @@
               </a:rPr>
               <a:t>01-3. Davis Houses</a:t>
             </a:r>
-            <a:endParaRPr lang="en-US" altLang="ko-KR" sz="1500" b="0" dirty="0">
-              <a:effectLst/>
-              <a:latin typeface="Calibri" panose="020F0502020204030204" pitchFamily="34" charset="0"/>
-            </a:endParaRPr>
           </a:p>
         </p:txBody>
       </p:sp>
@@ -9882,19 +9794,8 @@
                 <a:effectLst/>
                 <a:latin typeface="Calibri" panose="020F0502020204030204" pitchFamily="34" charset="0"/>
               </a:rPr>
-              <a:t>02. </a:t>
-            </a:r>
-            <a:r>
-              <a:rPr lang="en-US" altLang="ko-KR" sz="1950" dirty="0">
-                <a:effectLst/>
-                <a:latin typeface="Calibri" panose="020F0502020204030204" pitchFamily="34" charset="0"/>
-              </a:rPr>
-              <a:t>Fitting Time Series Model</a:t>
-            </a:r>
-            <a:endParaRPr lang="en-US" altLang="ko-KR" sz="1950" dirty="0">
-              <a:effectLst/>
-              <a:latin typeface="Calibri" panose="020F0502020204030204" pitchFamily="34" charset="0"/>
-            </a:endParaRPr>
+              <a:t>02. Fitting Time Series Model</a:t>
+            </a:r>
           </a:p>
         </p:txBody>
       </p:sp>
@@ -9951,19 +9852,8 @@
                 <a:effectLst/>
                 <a:latin typeface="Calibri" panose="020F0502020204030204" pitchFamily="34" charset="0"/>
               </a:rPr>
-              <a:t>03. </a:t>
-            </a:r>
-            <a:r>
-              <a:rPr lang="en-US" altLang="ko-KR" sz="1950" dirty="0">
-                <a:effectLst/>
-                <a:latin typeface="Calibri" panose="020F0502020204030204" pitchFamily="34" charset="0"/>
-              </a:rPr>
-              <a:t>Influential Factors</a:t>
-            </a:r>
-            <a:endParaRPr lang="en-US" altLang="ko-KR" sz="1950" dirty="0">
-              <a:effectLst/>
-              <a:latin typeface="Calibri" panose="020F0502020204030204" pitchFamily="34" charset="0"/>
-            </a:endParaRPr>
+              <a:t>03. Influential Factors</a:t>
+            </a:r>
           </a:p>
         </p:txBody>
       </p:sp>
@@ -10020,43 +9910,18 @@
                 <a:effectLst/>
                 <a:latin typeface="Calibri" panose="020F0502020204030204" pitchFamily="34" charset="0"/>
               </a:rPr>
-              <a:t>02-1. Pricing D</a:t>
-            </a:r>
+              <a:t>02-1. Pricing Diagnostic</a:t>
+            </a:r>
+          </a:p>
+          <a:p>
+            <a:pPr algn="l"/>
             <a:r>
               <a:rPr lang="en-US" altLang="ko-KR" sz="1500" b="0" dirty="0">
                 <a:effectLst/>
                 <a:latin typeface="Calibri" panose="020F0502020204030204" pitchFamily="34" charset="0"/>
               </a:rPr>
-              <a:t>iagnostic</a:t>
-            </a:r>
-          </a:p>
-          <a:p>
-            <a:pPr algn="l"/>
-            <a:r>
-              <a:rPr lang="en-US" altLang="ko-KR" sz="1500" b="0" dirty="0">
-                <a:effectLst/>
-                <a:latin typeface="Calibri" panose="020F0502020204030204" pitchFamily="34" charset="0"/>
-              </a:rPr>
-              <a:t>02-2</a:t>
-            </a:r>
-            <a:r>
-              <a:rPr lang="en-US" altLang="ko-KR" sz="1500" b="0" dirty="0">
-                <a:effectLst/>
-                <a:latin typeface="Calibri" panose="020F0502020204030204" pitchFamily="34" charset="0"/>
-              </a:rPr>
-              <a:t>. </a:t>
-            </a:r>
-            <a:r>
-              <a:rPr lang="en-US" altLang="ko-KR" sz="1500" b="0" dirty="0">
-                <a:effectLst/>
-                <a:latin typeface="Calibri" panose="020F0502020204030204" pitchFamily="34" charset="0"/>
-              </a:rPr>
-              <a:t>Predict Price in 2017</a:t>
-            </a:r>
-            <a:endParaRPr lang="en-US" altLang="ko-KR" sz="1500" b="0" dirty="0">
-              <a:effectLst/>
-              <a:latin typeface="Calibri" panose="020F0502020204030204" pitchFamily="34" charset="0"/>
-            </a:endParaRPr>
+              <a:t>02-2. Predict Price in 2017</a:t>
+            </a:r>
           </a:p>
         </p:txBody>
       </p:sp>
@@ -10113,31 +9978,17 @@
                 <a:effectLst/>
                 <a:latin typeface="Calibri" panose="020F0502020204030204" pitchFamily="34" charset="0"/>
               </a:rPr>
-              <a:t>03-1. </a:t>
-            </a:r>
+              <a:t>03-1. Income factor</a:t>
+            </a:r>
+          </a:p>
+          <a:p>
+            <a:pPr algn="l" latinLnBrk="0"/>
             <a:r>
               <a:rPr lang="en-US" altLang="ko-KR" sz="1500" b="0" dirty="0">
                 <a:effectLst/>
                 <a:latin typeface="Calibri" panose="020F0502020204030204" pitchFamily="34" charset="0"/>
               </a:rPr>
-              <a:t>Income factor</a:t>
-            </a:r>
-          </a:p>
-          <a:p>
-            <a:pPr algn="l" latinLnBrk="0"/>
-            <a:r>
-              <a:rPr lang="en-US" altLang="ko-KR" sz="1500" b="0" dirty="0">
-                <a:effectLst/>
-                <a:latin typeface="Calibri" panose="020F0502020204030204" pitchFamily="34" charset="0"/>
-              </a:rPr>
-              <a:t>03-2</a:t>
-            </a:r>
-            <a:r>
-              <a:rPr lang="en-US" altLang="ko-KR" sz="1500" b="0" dirty="0">
-                <a:effectLst/>
-                <a:latin typeface="Calibri" panose="020F0502020204030204" pitchFamily="34" charset="0"/>
-              </a:rPr>
-              <a:t>. Presentation title</a:t>
+              <a:t>03-2. Presentation title</a:t>
             </a:r>
           </a:p>
         </p:txBody>
@@ -10197,10 +10048,6 @@
               </a:rPr>
               <a:t>04. Future Strategy</a:t>
             </a:r>
-            <a:endParaRPr lang="en-US" altLang="ko-KR" sz="1950" dirty="0">
-              <a:effectLst/>
-              <a:latin typeface="Calibri" panose="020F0502020204030204" pitchFamily="34" charset="0"/>
-            </a:endParaRPr>
           </a:p>
         </p:txBody>
       </p:sp>
@@ -10839,17 +10686,7 @@
                 <a:latin typeface="Calibri" panose="020F0502020204030204" pitchFamily="34" charset="0"/>
                 <a:cs typeface="Calibri" panose="020F0502020204030204" pitchFamily="34" charset="0"/>
               </a:rPr>
-              <a:t>Diagnose </a:t>
-            </a:r>
-            <a:r>
-              <a:rPr lang="en-US" sz="3301" dirty="0">
-                <a:solidFill>
-                  <a:schemeClr val="tx1"/>
-                </a:solidFill>
-                <a:latin typeface="Calibri" panose="020F0502020204030204" pitchFamily="34" charset="0"/>
-                <a:cs typeface="Calibri" panose="020F0502020204030204" pitchFamily="34" charset="0"/>
-              </a:rPr>
-              <a:t>of California Housing Price </a:t>
+              <a:t>Diagnose of California Housing Price </a:t>
             </a:r>
           </a:p>
         </p:txBody>
@@ -11206,17 +11043,7 @@
                 <a:latin typeface="Calibri" panose="020F0502020204030204" pitchFamily="34" charset="0"/>
                 <a:cs typeface="Calibri" panose="020F0502020204030204" pitchFamily="34" charset="0"/>
               </a:rPr>
-              <a:t> Large </a:t>
-            </a:r>
-            <a:r>
-              <a:rPr lang="en-US" sz="3301" dirty="0">
-                <a:solidFill>
-                  <a:schemeClr val="tx1"/>
-                </a:solidFill>
-                <a:latin typeface="Calibri" panose="020F0502020204030204" pitchFamily="34" charset="0"/>
-                <a:cs typeface="Calibri" panose="020F0502020204030204" pitchFamily="34" charset="0"/>
-              </a:rPr>
-              <a:t>Cities in California</a:t>
+              <a:t> Large Cities in California</a:t>
             </a:r>
           </a:p>
         </p:txBody>
@@ -11396,14 +11223,6 @@
               </a:rPr>
               <a:t>Predict housing price for large cities</a:t>
             </a:r>
-            <a:endParaRPr lang="en-US" sz="3301" dirty="0">
-              <a:solidFill>
-                <a:schemeClr val="tx1"/>
-              </a:solidFill>
-              <a:latin typeface="Calibri" charset="0"/>
-              <a:ea typeface="Calibri" charset="0"/>
-              <a:cs typeface="Calibri" charset="0"/>
-            </a:endParaRPr>
           </a:p>
         </p:txBody>
       </p:sp>
